--- a/Projeto 2/docs/Slides_defesa.pptx
+++ b/Projeto 2/docs/Slides_defesa.pptx
@@ -7,6 +7,10 @@
   <p:sldIdLst>
     <p:sldId id="256" r:id="rId2"/>
     <p:sldId id="257" r:id="rId3"/>
+    <p:sldId id="258" r:id="rId4"/>
+    <p:sldId id="259" r:id="rId5"/>
+    <p:sldId id="261" r:id="rId6"/>
+    <p:sldId id="260" r:id="rId7"/>
   </p:sldIdLst>
   <p:sldSz cx="9144000" cy="6858000" type="screen4x3"/>
   <p:notesSz cx="6858000" cy="9144000"/>
@@ -3255,6 +3259,13 @@
   <p:clrMapOvr>
     <a:masterClrMapping/>
   </p:clrMapOvr>
+  <p:timing>
+    <p:tnLst>
+      <p:par>
+        <p:cTn id="1" dur="indefinite" restart="never" nodeType="tmRoot"/>
+      </p:par>
+    </p:tnLst>
+  </p:timing>
 </p:sld>
 </file>
 
@@ -3288,7 +3299,7 @@
         <p:spPr>
           <a:xfrm>
             <a:off x="0" y="0"/>
-            <a:ext cx="3757642" cy="1143000"/>
+            <a:ext cx="5286412" cy="1143000"/>
           </a:xfrm>
         </p:spPr>
         <p:txBody>
@@ -3297,10 +3308,14 @@
           </a:bodyPr>
           <a:lstStyle/>
           <a:p>
+            <a:pPr algn="l"/>
             <a:r>
               <a:rPr lang="pt-BR" sz="3200" b="1" dirty="0" smtClean="0"/>
               <a:t>1. Introdução</a:t>
             </a:r>
+            <a:br>
+              <a:rPr lang="pt-BR" sz="3200" b="1" dirty="0" smtClean="0"/>
+            </a:br>
             <a:endParaRPr lang="pt-BR" sz="3200" b="1" dirty="0"/>
           </a:p>
         </p:txBody>
@@ -3331,11 +3346,1086 @@
           <a:noFill/>
         </p:spPr>
       </p:pic>
+      <p:cxnSp>
+        <p:nvCxnSpPr>
+          <p:cNvPr id="5" name="Conector reto 4"/>
+          <p:cNvCxnSpPr/>
+          <p:nvPr/>
+        </p:nvCxnSpPr>
+        <p:spPr>
+          <a:xfrm>
+            <a:off x="0" y="714356"/>
+            <a:ext cx="8143900" cy="1588"/>
+          </a:xfrm>
+          <a:prstGeom prst="line">
+            <a:avLst/>
+          </a:prstGeom>
+        </p:spPr>
+        <p:style>
+          <a:lnRef idx="1">
+            <a:schemeClr val="accent1"/>
+          </a:lnRef>
+          <a:fillRef idx="0">
+            <a:schemeClr val="accent1"/>
+          </a:fillRef>
+          <a:effectRef idx="0">
+            <a:schemeClr val="accent1"/>
+          </a:effectRef>
+          <a:fontRef idx="minor">
+            <a:schemeClr val="tx1"/>
+          </a:fontRef>
+        </p:style>
+      </p:cxnSp>
+      <p:sp>
+        <p:nvSpPr>
+          <p:cNvPr id="7" name="CaixaDeTexto 6"/>
+          <p:cNvSpPr txBox="1"/>
+          <p:nvPr/>
+        </p:nvSpPr>
+        <p:spPr>
+          <a:xfrm>
+            <a:off x="0" y="1071546"/>
+            <a:ext cx="7572396" cy="1477328"/>
+          </a:xfrm>
+          <a:prstGeom prst="rect">
+            <a:avLst/>
+          </a:prstGeom>
+          <a:noFill/>
+        </p:spPr>
+        <p:txBody>
+          <a:bodyPr wrap="square" rtlCol="0">
+            <a:spAutoFit/>
+          </a:bodyPr>
+          <a:lstStyle/>
+          <a:p>
+            <a:pPr marL="342900" indent="-342900">
+              <a:buFont typeface="Arial" pitchFamily="34" charset="0"/>
+              <a:buChar char="•"/>
+            </a:pPr>
+            <a:r>
+              <a:rPr lang="pt-BR" b="1" dirty="0" smtClean="0"/>
+              <a:t>Câncer de mama</a:t>
+            </a:r>
+          </a:p>
+          <a:p>
+            <a:pPr marL="800100" lvl="1" indent="-342900">
+              <a:buFont typeface="Arial" pitchFamily="34" charset="0"/>
+              <a:buChar char="•"/>
+            </a:pPr>
+            <a:r>
+              <a:rPr lang="pt-BR" dirty="0" smtClean="0"/>
+              <a:t>Segundo tipo de câncer com mais ocorrência em mulheres nos Estados Unidos da America (EUA), depois do câncer de pele não melanoma.</a:t>
+            </a:r>
+          </a:p>
+          <a:p>
+            <a:pPr marL="800100" lvl="1" indent="-342900">
+              <a:buFont typeface="Arial" pitchFamily="34" charset="0"/>
+              <a:buChar char="•"/>
+            </a:pPr>
+            <a:r>
+              <a:rPr lang="pt-BR" dirty="0" smtClean="0"/>
+              <a:t>Estima-se por volta de 268.000 novos casos de câncer de mama serão diagnosticados em 2019 nos EUA e 41.000 mulheres morrerão.</a:t>
+            </a:r>
+            <a:endParaRPr lang="pt-BR" dirty="0"/>
+          </a:p>
+        </p:txBody>
+      </p:sp>
+      <p:pic>
+        <p:nvPicPr>
+          <p:cNvPr id="2053" name="Picture 5"/>
+          <p:cNvPicPr>
+            <a:picLocks noChangeAspect="1" noChangeArrowheads="1"/>
+          </p:cNvPicPr>
+          <p:nvPr/>
+        </p:nvPicPr>
+        <p:blipFill>
+          <a:blip r:embed="rId3"/>
+          <a:srcRect/>
+          <a:stretch>
+            <a:fillRect/>
+          </a:stretch>
+        </p:blipFill>
+        <p:spPr bwMode="auto">
+          <a:xfrm>
+            <a:off x="4572000" y="2786058"/>
+            <a:ext cx="4355894" cy="3929066"/>
+          </a:xfrm>
+          <a:prstGeom prst="rect">
+            <a:avLst/>
+          </a:prstGeom>
+          <a:noFill/>
+          <a:ln w="9525">
+            <a:noFill/>
+            <a:miter lim="800000"/>
+            <a:headEnd/>
+            <a:tailEnd/>
+          </a:ln>
+          <a:effectLst/>
+        </p:spPr>
+      </p:pic>
+      <p:pic>
+        <p:nvPicPr>
+          <p:cNvPr id="2055" name="Picture 7"/>
+          <p:cNvPicPr>
+            <a:picLocks noChangeAspect="1" noChangeArrowheads="1"/>
+          </p:cNvPicPr>
+          <p:nvPr/>
+        </p:nvPicPr>
+        <p:blipFill>
+          <a:blip r:embed="rId4"/>
+          <a:srcRect/>
+          <a:stretch>
+            <a:fillRect/>
+          </a:stretch>
+        </p:blipFill>
+        <p:spPr bwMode="auto">
+          <a:xfrm>
+            <a:off x="214282" y="2786058"/>
+            <a:ext cx="4334035" cy="4071942"/>
+          </a:xfrm>
+          <a:prstGeom prst="rect">
+            <a:avLst/>
+          </a:prstGeom>
+          <a:noFill/>
+          <a:ln w="9525">
+            <a:noFill/>
+            <a:miter lim="800000"/>
+            <a:headEnd/>
+            <a:tailEnd/>
+          </a:ln>
+          <a:effectLst/>
+        </p:spPr>
+      </p:pic>
     </p:spTree>
   </p:cSld>
   <p:clrMapOvr>
     <a:masterClrMapping/>
   </p:clrMapOvr>
+  <p:timing>
+    <p:tnLst>
+      <p:par>
+        <p:cTn id="1" dur="indefinite" restart="never" nodeType="tmRoot"/>
+      </p:par>
+    </p:tnLst>
+  </p:timing>
+</p:sld>
+</file>
+
+<file path=ppt/slides/slide3.xml><?xml version="1.0" encoding="utf-8"?>
+<p:sld xmlns:a="http://schemas.openxmlformats.org/drawingml/2006/main" xmlns:r="http://schemas.openxmlformats.org/officeDocument/2006/relationships" xmlns:p="http://schemas.openxmlformats.org/presentationml/2006/main">
+  <p:cSld>
+    <p:spTree>
+      <p:nvGrpSpPr>
+        <p:cNvPr id="1" name=""/>
+        <p:cNvGrpSpPr/>
+        <p:nvPr/>
+      </p:nvGrpSpPr>
+      <p:grpSpPr>
+        <a:xfrm>
+          <a:off x="0" y="0"/>
+          <a:ext cx="0" cy="0"/>
+          <a:chOff x="0" y="0"/>
+          <a:chExt cx="0" cy="0"/>
+        </a:xfrm>
+      </p:grpSpPr>
+      <p:sp>
+        <p:nvSpPr>
+          <p:cNvPr id="2" name="Título 1"/>
+          <p:cNvSpPr>
+            <a:spLocks noGrp="1"/>
+          </p:cNvSpPr>
+          <p:nvPr>
+            <p:ph type="title"/>
+          </p:nvPr>
+        </p:nvSpPr>
+        <p:spPr>
+          <a:xfrm>
+            <a:off x="0" y="0"/>
+            <a:ext cx="5286412" cy="1143000"/>
+          </a:xfrm>
+        </p:spPr>
+        <p:txBody>
+          <a:bodyPr>
+            <a:normAutofit/>
+          </a:bodyPr>
+          <a:lstStyle/>
+          <a:p>
+            <a:pPr algn="l"/>
+            <a:r>
+              <a:rPr lang="pt-BR" sz="3200" b="1" dirty="0" smtClean="0"/>
+              <a:t>1. Introdução</a:t>
+            </a:r>
+            <a:br>
+              <a:rPr lang="pt-BR" sz="3200" b="1" dirty="0" smtClean="0"/>
+            </a:br>
+            <a:endParaRPr lang="pt-BR" sz="3200" b="1" dirty="0"/>
+          </a:p>
+        </p:txBody>
+      </p:sp>
+      <p:pic>
+        <p:nvPicPr>
+          <p:cNvPr id="2050" name="Picture 2" descr="C:\Users\Guilherme\Desktop\TCC\TCC-BreastCancerNN\Projeto 2\resources\images\ppt_puc_logo.PNG"/>
+          <p:cNvPicPr>
+            <a:picLocks noChangeAspect="1" noChangeArrowheads="1"/>
+          </p:cNvPicPr>
+          <p:nvPr/>
+        </p:nvPicPr>
+        <p:blipFill>
+          <a:blip r:embed="rId2"/>
+          <a:srcRect/>
+          <a:stretch>
+            <a:fillRect/>
+          </a:stretch>
+        </p:blipFill>
+        <p:spPr bwMode="auto">
+          <a:xfrm>
+            <a:off x="8215339" y="0"/>
+            <a:ext cx="928662" cy="1751369"/>
+          </a:xfrm>
+          <a:prstGeom prst="rect">
+            <a:avLst/>
+          </a:prstGeom>
+          <a:noFill/>
+        </p:spPr>
+      </p:pic>
+      <p:cxnSp>
+        <p:nvCxnSpPr>
+          <p:cNvPr id="5" name="Conector reto 4"/>
+          <p:cNvCxnSpPr/>
+          <p:nvPr/>
+        </p:nvCxnSpPr>
+        <p:spPr>
+          <a:xfrm>
+            <a:off x="0" y="714356"/>
+            <a:ext cx="8143900" cy="1588"/>
+          </a:xfrm>
+          <a:prstGeom prst="line">
+            <a:avLst/>
+          </a:prstGeom>
+        </p:spPr>
+        <p:style>
+          <a:lnRef idx="1">
+            <a:schemeClr val="accent1"/>
+          </a:lnRef>
+          <a:fillRef idx="0">
+            <a:schemeClr val="accent1"/>
+          </a:fillRef>
+          <a:effectRef idx="0">
+            <a:schemeClr val="accent1"/>
+          </a:effectRef>
+          <a:fontRef idx="minor">
+            <a:schemeClr val="tx1"/>
+          </a:fontRef>
+        </p:style>
+      </p:cxnSp>
+      <p:sp>
+        <p:nvSpPr>
+          <p:cNvPr id="7" name="CaixaDeTexto 6"/>
+          <p:cNvSpPr txBox="1"/>
+          <p:nvPr/>
+        </p:nvSpPr>
+        <p:spPr>
+          <a:xfrm>
+            <a:off x="0" y="1071546"/>
+            <a:ext cx="7572396" cy="2031325"/>
+          </a:xfrm>
+          <a:prstGeom prst="rect">
+            <a:avLst/>
+          </a:prstGeom>
+          <a:noFill/>
+        </p:spPr>
+        <p:txBody>
+          <a:bodyPr wrap="square" rtlCol="0">
+            <a:spAutoFit/>
+          </a:bodyPr>
+          <a:lstStyle/>
+          <a:p>
+            <a:pPr marL="342900" indent="-342900">
+              <a:buFont typeface="Arial" pitchFamily="34" charset="0"/>
+              <a:buChar char="•"/>
+            </a:pPr>
+            <a:r>
+              <a:rPr lang="pt-BR" b="1" dirty="0" smtClean="0"/>
+              <a:t>Mamografia</a:t>
+            </a:r>
+          </a:p>
+          <a:p>
+            <a:pPr marL="800100" lvl="1" indent="-342900">
+              <a:buFont typeface="Arial" pitchFamily="34" charset="0"/>
+              <a:buChar char="•"/>
+            </a:pPr>
+            <a:r>
+              <a:rPr lang="pt-BR" dirty="0" smtClean="0"/>
+              <a:t>Exame de imagem feito por raio-x para detecção de câncer de mama.</a:t>
+            </a:r>
+          </a:p>
+          <a:p>
+            <a:pPr marL="800100" lvl="1" indent="-342900">
+              <a:buFont typeface="Arial" pitchFamily="34" charset="0"/>
+              <a:buChar char="•"/>
+            </a:pPr>
+            <a:r>
+              <a:rPr lang="pt-BR" dirty="0" smtClean="0"/>
+              <a:t>Recomendado anualmente para mulheres acima dos 40 anos.</a:t>
+            </a:r>
+          </a:p>
+          <a:p>
+            <a:pPr marL="800100" lvl="1" indent="-342900">
+              <a:buFont typeface="Arial" pitchFamily="34" charset="0"/>
+              <a:buChar char="•"/>
+            </a:pPr>
+            <a:r>
+              <a:rPr lang="pt-BR" dirty="0"/>
+              <a:t>Estima-se que uma a cada cinco mamografias resultam em falsos negativos </a:t>
+            </a:r>
+            <a:r>
+              <a:rPr lang="pt-BR" dirty="0" smtClean="0"/>
+              <a:t>e </a:t>
+            </a:r>
+            <a:r>
+              <a:rPr lang="pt-BR" dirty="0"/>
+              <a:t>que 7% a 9% de mulheres que realizam mamografias anualmente receberam um resultado falso-positivo recomendando a etapa de </a:t>
+            </a:r>
+            <a:r>
+              <a:rPr lang="pt-BR" dirty="0" smtClean="0"/>
+              <a:t>biopsia.</a:t>
+            </a:r>
+            <a:endParaRPr lang="pt-BR" dirty="0"/>
+          </a:p>
+        </p:txBody>
+      </p:sp>
+      <p:pic>
+        <p:nvPicPr>
+          <p:cNvPr id="3074" name="Picture 2" descr="spiculated-breast-cancer"/>
+          <p:cNvPicPr>
+            <a:picLocks noChangeAspect="1" noChangeArrowheads="1"/>
+          </p:cNvPicPr>
+          <p:nvPr/>
+        </p:nvPicPr>
+        <p:blipFill>
+          <a:blip r:embed="rId3"/>
+          <a:srcRect/>
+          <a:stretch>
+            <a:fillRect/>
+          </a:stretch>
+        </p:blipFill>
+        <p:spPr bwMode="auto">
+          <a:xfrm>
+            <a:off x="1714480" y="3290216"/>
+            <a:ext cx="2357454" cy="3029621"/>
+          </a:xfrm>
+          <a:prstGeom prst="rect">
+            <a:avLst/>
+          </a:prstGeom>
+          <a:noFill/>
+        </p:spPr>
+      </p:pic>
+      <p:pic>
+        <p:nvPicPr>
+          <p:cNvPr id="3075" name="Picture 3" descr="spiculated-breast-cancer (1)"/>
+          <p:cNvPicPr>
+            <a:picLocks noChangeAspect="1" noChangeArrowheads="1"/>
+          </p:cNvPicPr>
+          <p:nvPr/>
+        </p:nvPicPr>
+        <p:blipFill>
+          <a:blip r:embed="rId4"/>
+          <a:srcRect/>
+          <a:stretch>
+            <a:fillRect/>
+          </a:stretch>
+        </p:blipFill>
+        <p:spPr bwMode="auto">
+          <a:xfrm>
+            <a:off x="5072066" y="3286124"/>
+            <a:ext cx="2337782" cy="3000397"/>
+          </a:xfrm>
+          <a:prstGeom prst="rect">
+            <a:avLst/>
+          </a:prstGeom>
+          <a:noFill/>
+        </p:spPr>
+      </p:pic>
+    </p:spTree>
+  </p:cSld>
+  <p:clrMapOvr>
+    <a:masterClrMapping/>
+  </p:clrMapOvr>
+  <p:timing>
+    <p:tnLst>
+      <p:par>
+        <p:cTn id="1" dur="indefinite" restart="never" nodeType="tmRoot"/>
+      </p:par>
+    </p:tnLst>
+  </p:timing>
+</p:sld>
+</file>
+
+<file path=ppt/slides/slide4.xml><?xml version="1.0" encoding="utf-8"?>
+<p:sld xmlns:a="http://schemas.openxmlformats.org/drawingml/2006/main" xmlns:r="http://schemas.openxmlformats.org/officeDocument/2006/relationships" xmlns:p="http://schemas.openxmlformats.org/presentationml/2006/main">
+  <p:cSld>
+    <p:spTree>
+      <p:nvGrpSpPr>
+        <p:cNvPr id="1" name=""/>
+        <p:cNvGrpSpPr/>
+        <p:nvPr/>
+      </p:nvGrpSpPr>
+      <p:grpSpPr>
+        <a:xfrm>
+          <a:off x="0" y="0"/>
+          <a:ext cx="0" cy="0"/>
+          <a:chOff x="0" y="0"/>
+          <a:chExt cx="0" cy="0"/>
+        </a:xfrm>
+      </p:grpSpPr>
+      <p:sp>
+        <p:nvSpPr>
+          <p:cNvPr id="2" name="Título 1"/>
+          <p:cNvSpPr>
+            <a:spLocks noGrp="1"/>
+          </p:cNvSpPr>
+          <p:nvPr>
+            <p:ph type="title"/>
+          </p:nvPr>
+        </p:nvSpPr>
+        <p:spPr>
+          <a:xfrm>
+            <a:off x="0" y="0"/>
+            <a:ext cx="5286412" cy="1143000"/>
+          </a:xfrm>
+        </p:spPr>
+        <p:txBody>
+          <a:bodyPr>
+            <a:normAutofit/>
+          </a:bodyPr>
+          <a:lstStyle/>
+          <a:p>
+            <a:pPr algn="l"/>
+            <a:r>
+              <a:rPr lang="pt-BR" sz="3200" b="1" dirty="0" smtClean="0"/>
+              <a:t>1. Introdução</a:t>
+            </a:r>
+            <a:br>
+              <a:rPr lang="pt-BR" sz="3200" b="1" dirty="0" smtClean="0"/>
+            </a:br>
+            <a:endParaRPr lang="pt-BR" sz="3200" b="1" dirty="0"/>
+          </a:p>
+        </p:txBody>
+      </p:sp>
+      <p:pic>
+        <p:nvPicPr>
+          <p:cNvPr id="2050" name="Picture 2" descr="C:\Users\Guilherme\Desktop\TCC\TCC-BreastCancerNN\Projeto 2\resources\images\ppt_puc_logo.PNG"/>
+          <p:cNvPicPr>
+            <a:picLocks noChangeAspect="1" noChangeArrowheads="1"/>
+          </p:cNvPicPr>
+          <p:nvPr/>
+        </p:nvPicPr>
+        <p:blipFill>
+          <a:blip r:embed="rId2"/>
+          <a:srcRect/>
+          <a:stretch>
+            <a:fillRect/>
+          </a:stretch>
+        </p:blipFill>
+        <p:spPr bwMode="auto">
+          <a:xfrm>
+            <a:off x="8215339" y="0"/>
+            <a:ext cx="928662" cy="1751369"/>
+          </a:xfrm>
+          <a:prstGeom prst="rect">
+            <a:avLst/>
+          </a:prstGeom>
+          <a:noFill/>
+        </p:spPr>
+      </p:pic>
+      <p:cxnSp>
+        <p:nvCxnSpPr>
+          <p:cNvPr id="5" name="Conector reto 4"/>
+          <p:cNvCxnSpPr/>
+          <p:nvPr/>
+        </p:nvCxnSpPr>
+        <p:spPr>
+          <a:xfrm>
+            <a:off x="0" y="714356"/>
+            <a:ext cx="8143900" cy="1588"/>
+          </a:xfrm>
+          <a:prstGeom prst="line">
+            <a:avLst/>
+          </a:prstGeom>
+        </p:spPr>
+        <p:style>
+          <a:lnRef idx="1">
+            <a:schemeClr val="accent1"/>
+          </a:lnRef>
+          <a:fillRef idx="0">
+            <a:schemeClr val="accent1"/>
+          </a:fillRef>
+          <a:effectRef idx="0">
+            <a:schemeClr val="accent1"/>
+          </a:effectRef>
+          <a:fontRef idx="minor">
+            <a:schemeClr val="tx1"/>
+          </a:fontRef>
+        </p:style>
+      </p:cxnSp>
+      <p:sp>
+        <p:nvSpPr>
+          <p:cNvPr id="7" name="CaixaDeTexto 6"/>
+          <p:cNvSpPr txBox="1"/>
+          <p:nvPr/>
+        </p:nvSpPr>
+        <p:spPr>
+          <a:xfrm>
+            <a:off x="0" y="1071546"/>
+            <a:ext cx="7572396" cy="2031325"/>
+          </a:xfrm>
+          <a:prstGeom prst="rect">
+            <a:avLst/>
+          </a:prstGeom>
+          <a:noFill/>
+        </p:spPr>
+        <p:txBody>
+          <a:bodyPr wrap="square" rtlCol="0">
+            <a:spAutoFit/>
+          </a:bodyPr>
+          <a:lstStyle/>
+          <a:p>
+            <a:pPr marL="342900" indent="-342900">
+              <a:buFont typeface="Arial" pitchFamily="34" charset="0"/>
+              <a:buChar char="•"/>
+            </a:pPr>
+            <a:r>
+              <a:rPr lang="pt-BR" b="1" dirty="0" smtClean="0"/>
+              <a:t>Inteligência artificial (IA)</a:t>
+            </a:r>
+          </a:p>
+          <a:p>
+            <a:pPr marL="800100" lvl="1" indent="-342900">
+              <a:buFont typeface="Arial" pitchFamily="34" charset="0"/>
+              <a:buChar char="•"/>
+            </a:pPr>
+            <a:r>
+              <a:rPr lang="pt-BR" dirty="0" smtClean="0"/>
+              <a:t>Simulação de inteligência humana por meio de computadores.</a:t>
+            </a:r>
+          </a:p>
+          <a:p>
+            <a:pPr marL="800100" lvl="1" indent="-342900">
+              <a:buFont typeface="Arial" pitchFamily="34" charset="0"/>
+              <a:buChar char="•"/>
+            </a:pPr>
+            <a:r>
+              <a:rPr lang="pt-BR" dirty="0" smtClean="0"/>
+              <a:t>Redes neurais artificiais tentam simular a rede neural animal que constitui o cérebro. </a:t>
+            </a:r>
+          </a:p>
+          <a:p>
+            <a:pPr marL="800100" lvl="1" indent="-342900">
+              <a:buFont typeface="Arial" pitchFamily="34" charset="0"/>
+              <a:buChar char="•"/>
+            </a:pPr>
+            <a:r>
+              <a:rPr lang="pt-BR" dirty="0" smtClean="0"/>
+              <a:t>Machine </a:t>
+            </a:r>
+            <a:r>
+              <a:rPr lang="pt-BR" dirty="0" err="1" smtClean="0"/>
+              <a:t>learning</a:t>
+            </a:r>
+            <a:r>
+              <a:rPr lang="pt-BR" dirty="0" smtClean="0"/>
+              <a:t> pode ser considerado um </a:t>
+            </a:r>
+            <a:r>
+              <a:rPr lang="pt-BR" dirty="0" err="1" smtClean="0"/>
+              <a:t>subset</a:t>
+            </a:r>
+            <a:r>
+              <a:rPr lang="pt-BR" dirty="0" smtClean="0"/>
+              <a:t> de IA utilizado para realizar uma tarefa especifica sem instruções explicitas, através de padrões e inferência.</a:t>
+            </a:r>
+          </a:p>
+        </p:txBody>
+      </p:sp>
+      <p:pic>
+        <p:nvPicPr>
+          <p:cNvPr id="5122" name="Picture 2" descr="ANN vs BNN"/>
+          <p:cNvPicPr>
+            <a:picLocks noChangeAspect="1" noChangeArrowheads="1"/>
+          </p:cNvPicPr>
+          <p:nvPr/>
+        </p:nvPicPr>
+        <p:blipFill>
+          <a:blip r:embed="rId3"/>
+          <a:srcRect/>
+          <a:stretch>
+            <a:fillRect/>
+          </a:stretch>
+        </p:blipFill>
+        <p:spPr bwMode="auto">
+          <a:xfrm>
+            <a:off x="1428728" y="3357562"/>
+            <a:ext cx="6419635" cy="2928958"/>
+          </a:xfrm>
+          <a:prstGeom prst="rect">
+            <a:avLst/>
+          </a:prstGeom>
+          <a:noFill/>
+        </p:spPr>
+      </p:pic>
+    </p:spTree>
+  </p:cSld>
+  <p:clrMapOvr>
+    <a:masterClrMapping/>
+  </p:clrMapOvr>
+  <p:timing>
+    <p:tnLst>
+      <p:par>
+        <p:cTn id="1" dur="indefinite" restart="never" nodeType="tmRoot"/>
+      </p:par>
+    </p:tnLst>
+  </p:timing>
+</p:sld>
+</file>
+
+<file path=ppt/slides/slide5.xml><?xml version="1.0" encoding="utf-8"?>
+<p:sld xmlns:a="http://schemas.openxmlformats.org/drawingml/2006/main" xmlns:r="http://schemas.openxmlformats.org/officeDocument/2006/relationships" xmlns:p="http://schemas.openxmlformats.org/presentationml/2006/main">
+  <p:cSld>
+    <p:spTree>
+      <p:nvGrpSpPr>
+        <p:cNvPr id="1" name=""/>
+        <p:cNvGrpSpPr/>
+        <p:nvPr/>
+      </p:nvGrpSpPr>
+      <p:grpSpPr>
+        <a:xfrm>
+          <a:off x="0" y="0"/>
+          <a:ext cx="0" cy="0"/>
+          <a:chOff x="0" y="0"/>
+          <a:chExt cx="0" cy="0"/>
+        </a:xfrm>
+      </p:grpSpPr>
+      <p:sp>
+        <p:nvSpPr>
+          <p:cNvPr id="2" name="Título 1"/>
+          <p:cNvSpPr>
+            <a:spLocks noGrp="1"/>
+          </p:cNvSpPr>
+          <p:nvPr>
+            <p:ph type="title"/>
+          </p:nvPr>
+        </p:nvSpPr>
+        <p:spPr>
+          <a:xfrm>
+            <a:off x="0" y="0"/>
+            <a:ext cx="5286412" cy="1143000"/>
+          </a:xfrm>
+        </p:spPr>
+        <p:txBody>
+          <a:bodyPr>
+            <a:normAutofit/>
+          </a:bodyPr>
+          <a:lstStyle/>
+          <a:p>
+            <a:pPr algn="l"/>
+            <a:r>
+              <a:rPr lang="pt-BR" sz="3200" b="1" dirty="0" smtClean="0"/>
+              <a:t>1. Introdução</a:t>
+            </a:r>
+            <a:br>
+              <a:rPr lang="pt-BR" sz="3200" b="1" dirty="0" smtClean="0"/>
+            </a:br>
+            <a:endParaRPr lang="pt-BR" sz="3200" b="1" dirty="0"/>
+          </a:p>
+        </p:txBody>
+      </p:sp>
+      <p:pic>
+        <p:nvPicPr>
+          <p:cNvPr id="2050" name="Picture 2" descr="C:\Users\Guilherme\Desktop\TCC\TCC-BreastCancerNN\Projeto 2\resources\images\ppt_puc_logo.PNG"/>
+          <p:cNvPicPr>
+            <a:picLocks noChangeAspect="1" noChangeArrowheads="1"/>
+          </p:cNvPicPr>
+          <p:nvPr/>
+        </p:nvPicPr>
+        <p:blipFill>
+          <a:blip r:embed="rId2"/>
+          <a:srcRect/>
+          <a:stretch>
+            <a:fillRect/>
+          </a:stretch>
+        </p:blipFill>
+        <p:spPr bwMode="auto">
+          <a:xfrm>
+            <a:off x="8215339" y="0"/>
+            <a:ext cx="928662" cy="1751369"/>
+          </a:xfrm>
+          <a:prstGeom prst="rect">
+            <a:avLst/>
+          </a:prstGeom>
+          <a:noFill/>
+        </p:spPr>
+      </p:pic>
+      <p:cxnSp>
+        <p:nvCxnSpPr>
+          <p:cNvPr id="5" name="Conector reto 4"/>
+          <p:cNvCxnSpPr/>
+          <p:nvPr/>
+        </p:nvCxnSpPr>
+        <p:spPr>
+          <a:xfrm>
+            <a:off x="0" y="714356"/>
+            <a:ext cx="8143900" cy="1588"/>
+          </a:xfrm>
+          <a:prstGeom prst="line">
+            <a:avLst/>
+          </a:prstGeom>
+        </p:spPr>
+        <p:style>
+          <a:lnRef idx="1">
+            <a:schemeClr val="accent1"/>
+          </a:lnRef>
+          <a:fillRef idx="0">
+            <a:schemeClr val="accent1"/>
+          </a:fillRef>
+          <a:effectRef idx="0">
+            <a:schemeClr val="accent1"/>
+          </a:effectRef>
+          <a:fontRef idx="minor">
+            <a:schemeClr val="tx1"/>
+          </a:fontRef>
+        </p:style>
+      </p:cxnSp>
+      <p:sp>
+        <p:nvSpPr>
+          <p:cNvPr id="7" name="CaixaDeTexto 6"/>
+          <p:cNvSpPr txBox="1"/>
+          <p:nvPr/>
+        </p:nvSpPr>
+        <p:spPr>
+          <a:xfrm>
+            <a:off x="0" y="1071546"/>
+            <a:ext cx="7572396" cy="1200329"/>
+          </a:xfrm>
+          <a:prstGeom prst="rect">
+            <a:avLst/>
+          </a:prstGeom>
+          <a:noFill/>
+        </p:spPr>
+        <p:txBody>
+          <a:bodyPr wrap="square" rtlCol="0">
+            <a:spAutoFit/>
+          </a:bodyPr>
+          <a:lstStyle/>
+          <a:p>
+            <a:pPr marL="342900" indent="-342900">
+              <a:buFont typeface="Arial" pitchFamily="34" charset="0"/>
+              <a:buChar char="•"/>
+            </a:pPr>
+            <a:r>
+              <a:rPr lang="pt-BR" b="1" dirty="0" smtClean="0"/>
+              <a:t>Objetivo do Projeto</a:t>
+            </a:r>
+          </a:p>
+          <a:p>
+            <a:pPr marL="800100" lvl="1" indent="-342900">
+              <a:buFont typeface="Arial" pitchFamily="34" charset="0"/>
+              <a:buChar char="•"/>
+            </a:pPr>
+            <a:r>
+              <a:rPr lang="pt-BR" dirty="0" smtClean="0"/>
+              <a:t>Aplicar machine </a:t>
+            </a:r>
+            <a:r>
+              <a:rPr lang="pt-BR" dirty="0" err="1" smtClean="0"/>
+              <a:t>learning</a:t>
+            </a:r>
+            <a:r>
+              <a:rPr lang="pt-BR" dirty="0" smtClean="0"/>
+              <a:t> na área de biomedicina para classificação de mamografias.</a:t>
+            </a:r>
+          </a:p>
+          <a:p>
+            <a:pPr marL="800100" lvl="1" indent="-342900">
+              <a:buFont typeface="Arial" pitchFamily="34" charset="0"/>
+              <a:buChar char="•"/>
+            </a:pPr>
+            <a:endParaRPr lang="pt-BR" dirty="0" smtClean="0"/>
+          </a:p>
+        </p:txBody>
+      </p:sp>
+      <p:pic>
+        <p:nvPicPr>
+          <p:cNvPr id="18434" name="Picture 2"/>
+          <p:cNvPicPr>
+            <a:picLocks noChangeAspect="1" noChangeArrowheads="1"/>
+          </p:cNvPicPr>
+          <p:nvPr/>
+        </p:nvPicPr>
+        <p:blipFill>
+          <a:blip r:embed="rId3"/>
+          <a:srcRect/>
+          <a:stretch>
+            <a:fillRect/>
+          </a:stretch>
+        </p:blipFill>
+        <p:spPr bwMode="auto">
+          <a:xfrm>
+            <a:off x="214282" y="2714620"/>
+            <a:ext cx="8217663" cy="2714644"/>
+          </a:xfrm>
+          <a:prstGeom prst="rect">
+            <a:avLst/>
+          </a:prstGeom>
+          <a:noFill/>
+          <a:ln w="9525">
+            <a:noFill/>
+            <a:miter lim="800000"/>
+            <a:headEnd/>
+            <a:tailEnd/>
+          </a:ln>
+          <a:effectLst/>
+        </p:spPr>
+      </p:pic>
+      <p:sp>
+        <p:nvSpPr>
+          <p:cNvPr id="8" name="CaixaDeTexto 7"/>
+          <p:cNvSpPr txBox="1"/>
+          <p:nvPr/>
+        </p:nvSpPr>
+        <p:spPr>
+          <a:xfrm>
+            <a:off x="7643834" y="3786190"/>
+            <a:ext cx="1143008" cy="646331"/>
+          </a:xfrm>
+          <a:prstGeom prst="rect">
+            <a:avLst/>
+          </a:prstGeom>
+          <a:noFill/>
+        </p:spPr>
+        <p:txBody>
+          <a:bodyPr wrap="square" rtlCol="0">
+            <a:spAutoFit/>
+          </a:bodyPr>
+          <a:lstStyle/>
+          <a:p>
+            <a:r>
+              <a:rPr lang="pt-BR" dirty="0" smtClean="0"/>
+              <a:t>Benigno</a:t>
+            </a:r>
+          </a:p>
+          <a:p>
+            <a:r>
+              <a:rPr lang="pt-BR" dirty="0" smtClean="0"/>
+              <a:t>Maligno</a:t>
+            </a:r>
+            <a:endParaRPr lang="pt-BR" dirty="0"/>
+          </a:p>
+        </p:txBody>
+      </p:sp>
+    </p:spTree>
+  </p:cSld>
+  <p:clrMapOvr>
+    <a:masterClrMapping/>
+  </p:clrMapOvr>
+  <p:timing>
+    <p:tnLst>
+      <p:par>
+        <p:cTn id="1" dur="indefinite" restart="never" nodeType="tmRoot"/>
+      </p:par>
+    </p:tnLst>
+  </p:timing>
+</p:sld>
+</file>
+
+<file path=ppt/slides/slide6.xml><?xml version="1.0" encoding="utf-8"?>
+<p:sld xmlns:a="http://schemas.openxmlformats.org/drawingml/2006/main" xmlns:r="http://schemas.openxmlformats.org/officeDocument/2006/relationships" xmlns:p="http://schemas.openxmlformats.org/presentationml/2006/main">
+  <p:cSld>
+    <p:spTree>
+      <p:nvGrpSpPr>
+        <p:cNvPr id="1" name=""/>
+        <p:cNvGrpSpPr/>
+        <p:nvPr/>
+      </p:nvGrpSpPr>
+      <p:grpSpPr>
+        <a:xfrm>
+          <a:off x="0" y="0"/>
+          <a:ext cx="0" cy="0"/>
+          <a:chOff x="0" y="0"/>
+          <a:chExt cx="0" cy="0"/>
+        </a:xfrm>
+      </p:grpSpPr>
+      <p:sp>
+        <p:nvSpPr>
+          <p:cNvPr id="2" name="Título 1"/>
+          <p:cNvSpPr>
+            <a:spLocks noGrp="1"/>
+          </p:cNvSpPr>
+          <p:nvPr>
+            <p:ph type="title"/>
+          </p:nvPr>
+        </p:nvSpPr>
+        <p:spPr>
+          <a:xfrm>
+            <a:off x="0" y="0"/>
+            <a:ext cx="5286412" cy="1143000"/>
+          </a:xfrm>
+        </p:spPr>
+        <p:txBody>
+          <a:bodyPr>
+            <a:normAutofit/>
+          </a:bodyPr>
+          <a:lstStyle/>
+          <a:p>
+            <a:pPr algn="l"/>
+            <a:r>
+              <a:rPr lang="pt-BR" sz="3200" b="1" dirty="0"/>
+              <a:t>2</a:t>
+            </a:r>
+            <a:r>
+              <a:rPr lang="pt-BR" sz="3200" b="1" dirty="0" smtClean="0"/>
+              <a:t>. Situação atual</a:t>
+            </a:r>
+            <a:br>
+              <a:rPr lang="pt-BR" sz="3200" b="1" dirty="0" smtClean="0"/>
+            </a:br>
+            <a:endParaRPr lang="pt-BR" sz="3200" b="1" dirty="0"/>
+          </a:p>
+        </p:txBody>
+      </p:sp>
+      <p:pic>
+        <p:nvPicPr>
+          <p:cNvPr id="2050" name="Picture 2" descr="C:\Users\Guilherme\Desktop\TCC\TCC-BreastCancerNN\Projeto 2\resources\images\ppt_puc_logo.PNG"/>
+          <p:cNvPicPr>
+            <a:picLocks noChangeAspect="1" noChangeArrowheads="1"/>
+          </p:cNvPicPr>
+          <p:nvPr/>
+        </p:nvPicPr>
+        <p:blipFill>
+          <a:blip r:embed="rId2"/>
+          <a:srcRect/>
+          <a:stretch>
+            <a:fillRect/>
+          </a:stretch>
+        </p:blipFill>
+        <p:spPr bwMode="auto">
+          <a:xfrm>
+            <a:off x="8215339" y="0"/>
+            <a:ext cx="928662" cy="1751369"/>
+          </a:xfrm>
+          <a:prstGeom prst="rect">
+            <a:avLst/>
+          </a:prstGeom>
+          <a:noFill/>
+        </p:spPr>
+      </p:pic>
+      <p:cxnSp>
+        <p:nvCxnSpPr>
+          <p:cNvPr id="5" name="Conector reto 4"/>
+          <p:cNvCxnSpPr/>
+          <p:nvPr/>
+        </p:nvCxnSpPr>
+        <p:spPr>
+          <a:xfrm>
+            <a:off x="0" y="714356"/>
+            <a:ext cx="8143900" cy="1588"/>
+          </a:xfrm>
+          <a:prstGeom prst="line">
+            <a:avLst/>
+          </a:prstGeom>
+        </p:spPr>
+        <p:style>
+          <a:lnRef idx="1">
+            <a:schemeClr val="accent1"/>
+          </a:lnRef>
+          <a:fillRef idx="0">
+            <a:schemeClr val="accent1"/>
+          </a:fillRef>
+          <a:effectRef idx="0">
+            <a:schemeClr val="accent1"/>
+          </a:effectRef>
+          <a:fontRef idx="minor">
+            <a:schemeClr val="tx1"/>
+          </a:fontRef>
+        </p:style>
+      </p:cxnSp>
+      <p:sp>
+        <p:nvSpPr>
+          <p:cNvPr id="7" name="CaixaDeTexto 6"/>
+          <p:cNvSpPr txBox="1"/>
+          <p:nvPr/>
+        </p:nvSpPr>
+        <p:spPr>
+          <a:xfrm>
+            <a:off x="0" y="1071546"/>
+            <a:ext cx="7572396" cy="369332"/>
+          </a:xfrm>
+          <a:prstGeom prst="rect">
+            <a:avLst/>
+          </a:prstGeom>
+          <a:noFill/>
+        </p:spPr>
+        <p:txBody>
+          <a:bodyPr wrap="square" rtlCol="0">
+            <a:spAutoFit/>
+          </a:bodyPr>
+          <a:lstStyle/>
+          <a:p>
+            <a:pPr marL="342900" indent="-342900">
+              <a:buFont typeface="Arial" pitchFamily="34" charset="0"/>
+              <a:buChar char="•"/>
+            </a:pPr>
+            <a:r>
+              <a:rPr lang="pt-BR" b="1" dirty="0" smtClean="0"/>
+              <a:t>Classificação de imagens</a:t>
+            </a:r>
+          </a:p>
+        </p:txBody>
+      </p:sp>
+      <p:sp>
+        <p:nvSpPr>
+          <p:cNvPr id="6" name="CaixaDeTexto 5"/>
+          <p:cNvSpPr txBox="1"/>
+          <p:nvPr/>
+        </p:nvSpPr>
+        <p:spPr>
+          <a:xfrm>
+            <a:off x="0" y="3429000"/>
+            <a:ext cx="7572396" cy="369332"/>
+          </a:xfrm>
+          <a:prstGeom prst="rect">
+            <a:avLst/>
+          </a:prstGeom>
+          <a:noFill/>
+        </p:spPr>
+        <p:txBody>
+          <a:bodyPr wrap="square" rtlCol="0">
+            <a:spAutoFit/>
+          </a:bodyPr>
+          <a:lstStyle/>
+          <a:p>
+            <a:pPr marL="342900" indent="-342900">
+              <a:buFont typeface="Arial" pitchFamily="34" charset="0"/>
+              <a:buChar char="•"/>
+            </a:pPr>
+            <a:r>
+              <a:rPr lang="pt-BR" b="1" dirty="0" smtClean="0"/>
+              <a:t>IA na medicina</a:t>
+            </a:r>
+          </a:p>
+        </p:txBody>
+      </p:sp>
+    </p:spTree>
+  </p:cSld>
+  <p:clrMapOvr>
+    <a:masterClrMapping/>
+  </p:clrMapOvr>
+  <p:timing>
+    <p:tnLst>
+      <p:par>
+        <p:cTn id="1" dur="indefinite" restart="never" nodeType="tmRoot"/>
+      </p:par>
+    </p:tnLst>
+  </p:timing>
 </p:sld>
 </file>
 

--- a/Projeto 2/docs/Slides_defesa.pptx
+++ b/Projeto 2/docs/Slides_defesa.pptx
@@ -11,6 +11,9 @@
     <p:sldId id="259" r:id="rId5"/>
     <p:sldId id="261" r:id="rId6"/>
     <p:sldId id="260" r:id="rId7"/>
+    <p:sldId id="262" r:id="rId8"/>
+    <p:sldId id="263" r:id="rId9"/>
+    <p:sldId id="264" r:id="rId10"/>
   </p:sldIdLst>
   <p:sldSz cx="9144000" cy="6858000" type="screen4x3"/>
   <p:notesSz cx="6858000" cy="9144000"/>
@@ -3232,8 +3235,8 @@
         </p:nvSpPr>
         <p:spPr>
           <a:xfrm>
-            <a:off x="6000760" y="6286520"/>
-            <a:ext cx="3000396" cy="338554"/>
+            <a:off x="6215074" y="6286520"/>
+            <a:ext cx="2786114" cy="338554"/>
           </a:xfrm>
           <a:prstGeom prst="rect">
             <a:avLst/>
@@ -3248,7 +3251,7 @@
           <a:p>
             <a:r>
               <a:rPr lang="pt-BR" sz="1600" dirty="0" smtClean="0"/>
-              <a:t>Rio de Janeiro, Setembro de 2019</a:t>
+              <a:t>Rio de Janeiro, Agosto de 2019</a:t>
             </a:r>
             <a:endParaRPr lang="pt-BR" sz="1600" dirty="0"/>
           </a:p>
@@ -4357,7 +4360,7 @@
         <p:spPr>
           <a:xfrm>
             <a:off x="0" y="1071546"/>
-            <a:ext cx="7572396" cy="369332"/>
+            <a:ext cx="7572396" cy="1200329"/>
           </a:xfrm>
           <a:prstGeom prst="rect">
             <a:avLst/>
@@ -4379,6 +4382,26 @@
               <a:t>Classificação de imagens</a:t>
             </a:r>
           </a:p>
+          <a:p>
+            <a:pPr marL="800100" lvl="1" indent="-342900">
+              <a:buFont typeface="Arial" pitchFamily="34" charset="0"/>
+              <a:buChar char="•"/>
+            </a:pPr>
+            <a:r>
+              <a:rPr lang="pt-BR" dirty="0" smtClean="0"/>
+              <a:t>Redes convolucionais</a:t>
+            </a:r>
+          </a:p>
+          <a:p>
+            <a:pPr marL="800100" lvl="1" indent="-342900">
+              <a:buFont typeface="Arial" pitchFamily="34" charset="0"/>
+              <a:buChar char="•"/>
+            </a:pPr>
+            <a:r>
+              <a:rPr lang="pt-BR" dirty="0" smtClean="0"/>
+              <a:t>Benchmarks de classificação de imagem (CIPHAR 10, CIPHAR 100, ILSVRC)</a:t>
+            </a:r>
+          </a:p>
         </p:txBody>
       </p:sp>
       <p:sp>
@@ -4389,8 +4412,8 @@
         </p:nvSpPr>
         <p:spPr>
           <a:xfrm>
-            <a:off x="0" y="3429000"/>
-            <a:ext cx="7572396" cy="369332"/>
+            <a:off x="0" y="5429264"/>
+            <a:ext cx="7572396" cy="923330"/>
           </a:xfrm>
           <a:prstGeom prst="rect">
             <a:avLst/>
@@ -4412,8 +4435,932 @@
               <a:t>IA na medicina</a:t>
             </a:r>
           </a:p>
-        </p:txBody>
-      </p:sp>
+          <a:p>
+            <a:pPr marL="800100" lvl="1" indent="-342900">
+              <a:buFont typeface="Arial" pitchFamily="34" charset="0"/>
+              <a:buChar char="•"/>
+            </a:pPr>
+            <a:r>
+              <a:rPr lang="pt-BR" dirty="0" smtClean="0"/>
+              <a:t>Diagnóstico auxiliado por computador (</a:t>
+            </a:r>
+            <a:r>
+              <a:rPr lang="pt-BR" dirty="0" err="1"/>
+              <a:t>Computer-Aided</a:t>
+            </a:r>
+            <a:r>
+              <a:rPr lang="pt-BR" dirty="0"/>
+              <a:t> </a:t>
+            </a:r>
+            <a:r>
+              <a:rPr lang="pt-BR" dirty="0" err="1" smtClean="0"/>
+              <a:t>Diagnosis</a:t>
+            </a:r>
+            <a:r>
+              <a:rPr lang="pt-BR" dirty="0" smtClean="0"/>
+              <a:t>, CAD)</a:t>
+            </a:r>
+          </a:p>
+        </p:txBody>
+      </p:sp>
+      <p:pic>
+        <p:nvPicPr>
+          <p:cNvPr id="4097" name="Picture 1"/>
+          <p:cNvPicPr>
+            <a:picLocks noChangeAspect="1" noChangeArrowheads="1"/>
+          </p:cNvPicPr>
+          <p:nvPr/>
+        </p:nvPicPr>
+        <p:blipFill>
+          <a:blip r:embed="rId3"/>
+          <a:srcRect/>
+          <a:stretch>
+            <a:fillRect/>
+          </a:stretch>
+        </p:blipFill>
+        <p:spPr bwMode="auto">
+          <a:xfrm>
+            <a:off x="1643042" y="2500306"/>
+            <a:ext cx="5595844" cy="2809879"/>
+          </a:xfrm>
+          <a:prstGeom prst="rect">
+            <a:avLst/>
+          </a:prstGeom>
+          <a:noFill/>
+          <a:ln w="9525">
+            <a:noFill/>
+            <a:miter lim="800000"/>
+            <a:headEnd/>
+            <a:tailEnd/>
+          </a:ln>
+          <a:effectLst/>
+        </p:spPr>
+      </p:pic>
+    </p:spTree>
+  </p:cSld>
+  <p:clrMapOvr>
+    <a:masterClrMapping/>
+  </p:clrMapOvr>
+  <p:timing>
+    <p:tnLst>
+      <p:par>
+        <p:cTn id="1" dur="indefinite" restart="never" nodeType="tmRoot"/>
+      </p:par>
+    </p:tnLst>
+  </p:timing>
+</p:sld>
+</file>
+
+<file path=ppt/slides/slide7.xml><?xml version="1.0" encoding="utf-8"?>
+<p:sld xmlns:a="http://schemas.openxmlformats.org/drawingml/2006/main" xmlns:r="http://schemas.openxmlformats.org/officeDocument/2006/relationships" xmlns:p="http://schemas.openxmlformats.org/presentationml/2006/main">
+  <p:cSld>
+    <p:spTree>
+      <p:nvGrpSpPr>
+        <p:cNvPr id="1" name=""/>
+        <p:cNvGrpSpPr/>
+        <p:nvPr/>
+      </p:nvGrpSpPr>
+      <p:grpSpPr>
+        <a:xfrm>
+          <a:off x="0" y="0"/>
+          <a:ext cx="0" cy="0"/>
+          <a:chOff x="0" y="0"/>
+          <a:chExt cx="0" cy="0"/>
+        </a:xfrm>
+      </p:grpSpPr>
+      <p:sp>
+        <p:nvSpPr>
+          <p:cNvPr id="2" name="Título 1"/>
+          <p:cNvSpPr>
+            <a:spLocks noGrp="1"/>
+          </p:cNvSpPr>
+          <p:nvPr>
+            <p:ph type="title"/>
+          </p:nvPr>
+        </p:nvSpPr>
+        <p:spPr>
+          <a:xfrm>
+            <a:off x="0" y="0"/>
+            <a:ext cx="5286412" cy="1143000"/>
+          </a:xfrm>
+        </p:spPr>
+        <p:txBody>
+          <a:bodyPr>
+            <a:normAutofit/>
+          </a:bodyPr>
+          <a:lstStyle/>
+          <a:p>
+            <a:pPr algn="l"/>
+            <a:r>
+              <a:rPr lang="pt-BR" sz="3200" b="1" dirty="0" smtClean="0"/>
+              <a:t>3. Objetivo do projeto</a:t>
+            </a:r>
+            <a:br>
+              <a:rPr lang="pt-BR" sz="3200" b="1" dirty="0" smtClean="0"/>
+            </a:br>
+            <a:endParaRPr lang="pt-BR" sz="3200" b="1" dirty="0"/>
+          </a:p>
+        </p:txBody>
+      </p:sp>
+      <p:pic>
+        <p:nvPicPr>
+          <p:cNvPr id="2050" name="Picture 2" descr="C:\Users\Guilherme\Desktop\TCC\TCC-BreastCancerNN\Projeto 2\resources\images\ppt_puc_logo.PNG"/>
+          <p:cNvPicPr>
+            <a:picLocks noChangeAspect="1" noChangeArrowheads="1"/>
+          </p:cNvPicPr>
+          <p:nvPr/>
+        </p:nvPicPr>
+        <p:blipFill>
+          <a:blip r:embed="rId2"/>
+          <a:srcRect/>
+          <a:stretch>
+            <a:fillRect/>
+          </a:stretch>
+        </p:blipFill>
+        <p:spPr bwMode="auto">
+          <a:xfrm>
+            <a:off x="8215339" y="0"/>
+            <a:ext cx="928662" cy="1751369"/>
+          </a:xfrm>
+          <a:prstGeom prst="rect">
+            <a:avLst/>
+          </a:prstGeom>
+          <a:noFill/>
+        </p:spPr>
+      </p:pic>
+      <p:cxnSp>
+        <p:nvCxnSpPr>
+          <p:cNvPr id="5" name="Conector reto 4"/>
+          <p:cNvCxnSpPr/>
+          <p:nvPr/>
+        </p:nvCxnSpPr>
+        <p:spPr>
+          <a:xfrm>
+            <a:off x="0" y="714356"/>
+            <a:ext cx="8143900" cy="1588"/>
+          </a:xfrm>
+          <a:prstGeom prst="line">
+            <a:avLst/>
+          </a:prstGeom>
+        </p:spPr>
+        <p:style>
+          <a:lnRef idx="1">
+            <a:schemeClr val="accent1"/>
+          </a:lnRef>
+          <a:fillRef idx="0">
+            <a:schemeClr val="accent1"/>
+          </a:fillRef>
+          <a:effectRef idx="0">
+            <a:schemeClr val="accent1"/>
+          </a:effectRef>
+          <a:fontRef idx="minor">
+            <a:schemeClr val="tx1"/>
+          </a:fontRef>
+        </p:style>
+      </p:cxnSp>
+      <p:sp>
+        <p:nvSpPr>
+          <p:cNvPr id="7" name="CaixaDeTexto 6"/>
+          <p:cNvSpPr txBox="1"/>
+          <p:nvPr/>
+        </p:nvSpPr>
+        <p:spPr>
+          <a:xfrm>
+            <a:off x="0" y="1071546"/>
+            <a:ext cx="7572396" cy="1477328"/>
+          </a:xfrm>
+          <a:prstGeom prst="rect">
+            <a:avLst/>
+          </a:prstGeom>
+          <a:noFill/>
+        </p:spPr>
+        <p:txBody>
+          <a:bodyPr wrap="square" rtlCol="0">
+            <a:spAutoFit/>
+          </a:bodyPr>
+          <a:lstStyle/>
+          <a:p>
+            <a:pPr marL="342900" indent="-342900">
+              <a:buFont typeface="Arial" pitchFamily="34" charset="0"/>
+              <a:buChar char="•"/>
+            </a:pPr>
+            <a:r>
+              <a:rPr lang="pt-BR" b="1" dirty="0" smtClean="0"/>
+              <a:t>Classificação de mamografias</a:t>
+            </a:r>
+          </a:p>
+          <a:p>
+            <a:pPr marL="800100" lvl="1" indent="-342900">
+              <a:buFont typeface="Arial" pitchFamily="34" charset="0"/>
+              <a:buChar char="•"/>
+            </a:pPr>
+            <a:r>
+              <a:rPr lang="pt-BR" dirty="0" smtClean="0"/>
+              <a:t>Classificar em tumores benignos ou malignos</a:t>
+            </a:r>
+          </a:p>
+          <a:p>
+            <a:pPr marL="800100" lvl="1" indent="-342900">
+              <a:buFont typeface="Arial" pitchFamily="34" charset="0"/>
+              <a:buChar char="•"/>
+            </a:pPr>
+            <a:r>
+              <a:rPr lang="pt-BR" dirty="0" smtClean="0"/>
+              <a:t>Desenvolvimento de uma rede que possa ser utilizada como base de uma aplicação que auxilie o profissional de medicina no dia-a-dia</a:t>
+            </a:r>
+          </a:p>
+          <a:p>
+            <a:pPr marL="800100" lvl="1" indent="-342900">
+              <a:buFont typeface="Arial" pitchFamily="34" charset="0"/>
+              <a:buChar char="•"/>
+            </a:pPr>
+            <a:endParaRPr lang="pt-BR" dirty="0" smtClean="0"/>
+          </a:p>
+        </p:txBody>
+      </p:sp>
+      <p:pic>
+        <p:nvPicPr>
+          <p:cNvPr id="19458" name="Picture 2"/>
+          <p:cNvPicPr>
+            <a:picLocks noChangeAspect="1" noChangeArrowheads="1"/>
+          </p:cNvPicPr>
+          <p:nvPr/>
+        </p:nvPicPr>
+        <p:blipFill>
+          <a:blip r:embed="rId3"/>
+          <a:srcRect/>
+          <a:stretch>
+            <a:fillRect/>
+          </a:stretch>
+        </p:blipFill>
+        <p:spPr bwMode="auto">
+          <a:xfrm>
+            <a:off x="1857356" y="2714620"/>
+            <a:ext cx="5500726" cy="2432683"/>
+          </a:xfrm>
+          <a:prstGeom prst="rect">
+            <a:avLst/>
+          </a:prstGeom>
+          <a:noFill/>
+          <a:ln w="9525">
+            <a:noFill/>
+            <a:miter lim="800000"/>
+            <a:headEnd/>
+            <a:tailEnd/>
+          </a:ln>
+          <a:effectLst/>
+        </p:spPr>
+      </p:pic>
+      <p:pic>
+        <p:nvPicPr>
+          <p:cNvPr id="19459" name="Picture 3"/>
+          <p:cNvPicPr>
+            <a:picLocks noChangeAspect="1" noChangeArrowheads="1"/>
+          </p:cNvPicPr>
+          <p:nvPr/>
+        </p:nvPicPr>
+        <p:blipFill>
+          <a:blip r:embed="rId4"/>
+          <a:srcRect/>
+          <a:stretch>
+            <a:fillRect/>
+          </a:stretch>
+        </p:blipFill>
+        <p:spPr bwMode="auto">
+          <a:xfrm>
+            <a:off x="1714480" y="5786454"/>
+            <a:ext cx="2266950" cy="609600"/>
+          </a:xfrm>
+          <a:prstGeom prst="rect">
+            <a:avLst/>
+          </a:prstGeom>
+          <a:noFill/>
+          <a:ln w="9525">
+            <a:noFill/>
+            <a:miter lim="800000"/>
+            <a:headEnd/>
+            <a:tailEnd/>
+          </a:ln>
+          <a:effectLst/>
+        </p:spPr>
+      </p:pic>
+      <p:pic>
+        <p:nvPicPr>
+          <p:cNvPr id="19460" name="Picture 4"/>
+          <p:cNvPicPr>
+            <a:picLocks noChangeAspect="1" noChangeArrowheads="1"/>
+          </p:cNvPicPr>
+          <p:nvPr/>
+        </p:nvPicPr>
+        <p:blipFill>
+          <a:blip r:embed="rId5"/>
+          <a:srcRect/>
+          <a:stretch>
+            <a:fillRect/>
+          </a:stretch>
+        </p:blipFill>
+        <p:spPr bwMode="auto">
+          <a:xfrm>
+            <a:off x="4000496" y="5715016"/>
+            <a:ext cx="3837074" cy="614363"/>
+          </a:xfrm>
+          <a:prstGeom prst="rect">
+            <a:avLst/>
+          </a:prstGeom>
+          <a:noFill/>
+          <a:ln w="9525">
+            <a:noFill/>
+            <a:miter lim="800000"/>
+            <a:headEnd/>
+            <a:tailEnd/>
+          </a:ln>
+          <a:effectLst/>
+        </p:spPr>
+      </p:pic>
+    </p:spTree>
+  </p:cSld>
+  <p:clrMapOvr>
+    <a:masterClrMapping/>
+  </p:clrMapOvr>
+  <p:timing>
+    <p:tnLst>
+      <p:par>
+        <p:cTn id="1" dur="indefinite" restart="never" nodeType="tmRoot"/>
+      </p:par>
+    </p:tnLst>
+  </p:timing>
+</p:sld>
+</file>
+
+<file path=ppt/slides/slide8.xml><?xml version="1.0" encoding="utf-8"?>
+<p:sld xmlns:a="http://schemas.openxmlformats.org/drawingml/2006/main" xmlns:r="http://schemas.openxmlformats.org/officeDocument/2006/relationships" xmlns:p="http://schemas.openxmlformats.org/presentationml/2006/main">
+  <p:cSld>
+    <p:spTree>
+      <p:nvGrpSpPr>
+        <p:cNvPr id="1" name=""/>
+        <p:cNvGrpSpPr/>
+        <p:nvPr/>
+      </p:nvGrpSpPr>
+      <p:grpSpPr>
+        <a:xfrm>
+          <a:off x="0" y="0"/>
+          <a:ext cx="0" cy="0"/>
+          <a:chOff x="0" y="0"/>
+          <a:chExt cx="0" cy="0"/>
+        </a:xfrm>
+      </p:grpSpPr>
+      <p:sp>
+        <p:nvSpPr>
+          <p:cNvPr id="2" name="Título 1"/>
+          <p:cNvSpPr>
+            <a:spLocks noGrp="1"/>
+          </p:cNvSpPr>
+          <p:nvPr>
+            <p:ph type="title"/>
+          </p:nvPr>
+        </p:nvSpPr>
+        <p:spPr>
+          <a:xfrm>
+            <a:off x="0" y="0"/>
+            <a:ext cx="5286412" cy="1143000"/>
+          </a:xfrm>
+        </p:spPr>
+        <p:txBody>
+          <a:bodyPr>
+            <a:normAutofit/>
+          </a:bodyPr>
+          <a:lstStyle/>
+          <a:p>
+            <a:pPr algn="l"/>
+            <a:r>
+              <a:rPr lang="pt-BR" sz="3200" b="1" dirty="0" smtClean="0"/>
+              <a:t>4. Estudos iniciais</a:t>
+            </a:r>
+            <a:br>
+              <a:rPr lang="pt-BR" sz="3200" b="1" dirty="0" smtClean="0"/>
+            </a:br>
+            <a:endParaRPr lang="pt-BR" sz="3200" b="1" dirty="0"/>
+          </a:p>
+        </p:txBody>
+      </p:sp>
+      <p:pic>
+        <p:nvPicPr>
+          <p:cNvPr id="2050" name="Picture 2" descr="C:\Users\Guilherme\Desktop\TCC\TCC-BreastCancerNN\Projeto 2\resources\images\ppt_puc_logo.PNG"/>
+          <p:cNvPicPr>
+            <a:picLocks noChangeAspect="1" noChangeArrowheads="1"/>
+          </p:cNvPicPr>
+          <p:nvPr/>
+        </p:nvPicPr>
+        <p:blipFill>
+          <a:blip r:embed="rId2"/>
+          <a:srcRect/>
+          <a:stretch>
+            <a:fillRect/>
+          </a:stretch>
+        </p:blipFill>
+        <p:spPr bwMode="auto">
+          <a:xfrm>
+            <a:off x="8215339" y="0"/>
+            <a:ext cx="928662" cy="1751369"/>
+          </a:xfrm>
+          <a:prstGeom prst="rect">
+            <a:avLst/>
+          </a:prstGeom>
+          <a:noFill/>
+        </p:spPr>
+      </p:pic>
+      <p:cxnSp>
+        <p:nvCxnSpPr>
+          <p:cNvPr id="5" name="Conector reto 4"/>
+          <p:cNvCxnSpPr/>
+          <p:nvPr/>
+        </p:nvCxnSpPr>
+        <p:spPr>
+          <a:xfrm>
+            <a:off x="0" y="714356"/>
+            <a:ext cx="8143900" cy="1588"/>
+          </a:xfrm>
+          <a:prstGeom prst="line">
+            <a:avLst/>
+          </a:prstGeom>
+        </p:spPr>
+        <p:style>
+          <a:lnRef idx="1">
+            <a:schemeClr val="accent1"/>
+          </a:lnRef>
+          <a:fillRef idx="0">
+            <a:schemeClr val="accent1"/>
+          </a:fillRef>
+          <a:effectRef idx="0">
+            <a:schemeClr val="accent1"/>
+          </a:effectRef>
+          <a:fontRef idx="minor">
+            <a:schemeClr val="tx1"/>
+          </a:fontRef>
+        </p:style>
+      </p:cxnSp>
+      <p:sp>
+        <p:nvSpPr>
+          <p:cNvPr id="7" name="CaixaDeTexto 6"/>
+          <p:cNvSpPr txBox="1"/>
+          <p:nvPr/>
+        </p:nvSpPr>
+        <p:spPr>
+          <a:xfrm>
+            <a:off x="0" y="1071546"/>
+            <a:ext cx="7572396" cy="923330"/>
+          </a:xfrm>
+          <a:prstGeom prst="rect">
+            <a:avLst/>
+          </a:prstGeom>
+          <a:noFill/>
+        </p:spPr>
+        <p:txBody>
+          <a:bodyPr wrap="square" rtlCol="0">
+            <a:spAutoFit/>
+          </a:bodyPr>
+          <a:lstStyle/>
+          <a:p>
+            <a:pPr marL="342900" indent="-342900">
+              <a:buFont typeface="Arial" pitchFamily="34" charset="0"/>
+              <a:buChar char="•"/>
+            </a:pPr>
+            <a:r>
+              <a:rPr lang="pt-BR" b="1" dirty="0" smtClean="0"/>
+              <a:t>Imagem da mama</a:t>
+            </a:r>
+          </a:p>
+          <a:p>
+            <a:pPr marL="800100" lvl="1" indent="-342900">
+              <a:buFont typeface="Arial" pitchFamily="34" charset="0"/>
+              <a:buChar char="•"/>
+            </a:pPr>
+            <a:r>
+              <a:rPr lang="pt-BR" dirty="0"/>
+              <a:t>O Sistema de Laudos e Registro de Dados de Imagem da Mama (BI-RADS®) do </a:t>
+            </a:r>
+            <a:r>
+              <a:rPr lang="pt-BR" dirty="0" err="1"/>
+              <a:t>American</a:t>
+            </a:r>
+            <a:r>
+              <a:rPr lang="pt-BR" dirty="0"/>
+              <a:t> </a:t>
+            </a:r>
+            <a:r>
+              <a:rPr lang="pt-BR" dirty="0" err="1"/>
+              <a:t>College</a:t>
+            </a:r>
+            <a:r>
+              <a:rPr lang="pt-BR" dirty="0"/>
+              <a:t> </a:t>
+            </a:r>
+            <a:r>
+              <a:rPr lang="pt-BR" dirty="0" err="1"/>
+              <a:t>of</a:t>
+            </a:r>
+            <a:r>
+              <a:rPr lang="pt-BR" dirty="0"/>
+              <a:t> </a:t>
+            </a:r>
+            <a:r>
+              <a:rPr lang="pt-BR" dirty="0" err="1"/>
+              <a:t>Radiology</a:t>
+            </a:r>
+            <a:r>
+              <a:rPr lang="pt-BR" dirty="0"/>
+              <a:t> (ACR</a:t>
+            </a:r>
+            <a:r>
+              <a:rPr lang="pt-BR" dirty="0" smtClean="0"/>
+              <a:t>)</a:t>
+            </a:r>
+            <a:endParaRPr lang="pt-BR" dirty="0"/>
+          </a:p>
+        </p:txBody>
+      </p:sp>
+      <p:sp>
+        <p:nvSpPr>
+          <p:cNvPr id="9" name="CaixaDeTexto 8"/>
+          <p:cNvSpPr txBox="1"/>
+          <p:nvPr/>
+        </p:nvSpPr>
+        <p:spPr>
+          <a:xfrm>
+            <a:off x="0" y="2428868"/>
+            <a:ext cx="7572396" cy="646331"/>
+          </a:xfrm>
+          <a:prstGeom prst="rect">
+            <a:avLst/>
+          </a:prstGeom>
+          <a:noFill/>
+        </p:spPr>
+        <p:txBody>
+          <a:bodyPr wrap="square" rtlCol="0">
+            <a:spAutoFit/>
+          </a:bodyPr>
+          <a:lstStyle/>
+          <a:p>
+            <a:pPr marL="342900" indent="-342900">
+              <a:buFont typeface="Arial" pitchFamily="34" charset="0"/>
+              <a:buChar char="•"/>
+            </a:pPr>
+            <a:r>
+              <a:rPr lang="pt-BR" b="1" dirty="0" smtClean="0"/>
+              <a:t>Machine </a:t>
+            </a:r>
+            <a:r>
+              <a:rPr lang="pt-BR" b="1" dirty="0" err="1" smtClean="0"/>
+              <a:t>learning</a:t>
+            </a:r>
+            <a:r>
+              <a:rPr lang="pt-BR" b="1" dirty="0" smtClean="0"/>
+              <a:t> na pratica</a:t>
+            </a:r>
+          </a:p>
+          <a:p>
+            <a:pPr marL="800100" lvl="1" indent="-342900">
+              <a:buFont typeface="Arial" pitchFamily="34" charset="0"/>
+              <a:buChar char="•"/>
+            </a:pPr>
+            <a:r>
+              <a:rPr lang="pt-BR" dirty="0" err="1" smtClean="0"/>
+              <a:t>Tensorflow</a:t>
+            </a:r>
+            <a:endParaRPr lang="pt-BR" dirty="0" smtClean="0"/>
+          </a:p>
+        </p:txBody>
+      </p:sp>
+      <p:pic>
+        <p:nvPicPr>
+          <p:cNvPr id="20482" name="Picture 2" descr="Image result for atlas bi-rads do acr"/>
+          <p:cNvPicPr>
+            <a:picLocks noChangeAspect="1" noChangeArrowheads="1"/>
+          </p:cNvPicPr>
+          <p:nvPr/>
+        </p:nvPicPr>
+        <p:blipFill>
+          <a:blip r:embed="rId3"/>
+          <a:srcRect/>
+          <a:stretch>
+            <a:fillRect/>
+          </a:stretch>
+        </p:blipFill>
+        <p:spPr bwMode="auto">
+          <a:xfrm>
+            <a:off x="5572132" y="3643314"/>
+            <a:ext cx="2381250" cy="2381250"/>
+          </a:xfrm>
+          <a:prstGeom prst="rect">
+            <a:avLst/>
+          </a:prstGeom>
+          <a:noFill/>
+        </p:spPr>
+      </p:pic>
+      <p:pic>
+        <p:nvPicPr>
+          <p:cNvPr id="20484" name="Picture 4" descr="Image result for tensorflow"/>
+          <p:cNvPicPr>
+            <a:picLocks noChangeAspect="1" noChangeArrowheads="1"/>
+          </p:cNvPicPr>
+          <p:nvPr/>
+        </p:nvPicPr>
+        <p:blipFill>
+          <a:blip r:embed="rId4"/>
+          <a:srcRect/>
+          <a:stretch>
+            <a:fillRect/>
+          </a:stretch>
+        </p:blipFill>
+        <p:spPr bwMode="auto">
+          <a:xfrm>
+            <a:off x="785786" y="3571876"/>
+            <a:ext cx="4571994" cy="2571747"/>
+          </a:xfrm>
+          <a:prstGeom prst="rect">
+            <a:avLst/>
+          </a:prstGeom>
+          <a:noFill/>
+        </p:spPr>
+      </p:pic>
+    </p:spTree>
+  </p:cSld>
+  <p:clrMapOvr>
+    <a:masterClrMapping/>
+  </p:clrMapOvr>
+  <p:timing>
+    <p:tnLst>
+      <p:par>
+        <p:cTn id="1" dur="indefinite" restart="never" nodeType="tmRoot"/>
+      </p:par>
+    </p:tnLst>
+  </p:timing>
+</p:sld>
+</file>
+
+<file path=ppt/slides/slide9.xml><?xml version="1.0" encoding="utf-8"?>
+<p:sld xmlns:a="http://schemas.openxmlformats.org/drawingml/2006/main" xmlns:r="http://schemas.openxmlformats.org/officeDocument/2006/relationships" xmlns:p="http://schemas.openxmlformats.org/presentationml/2006/main">
+  <p:cSld>
+    <p:spTree>
+      <p:nvGrpSpPr>
+        <p:cNvPr id="1" name=""/>
+        <p:cNvGrpSpPr/>
+        <p:nvPr/>
+      </p:nvGrpSpPr>
+      <p:grpSpPr>
+        <a:xfrm>
+          <a:off x="0" y="0"/>
+          <a:ext cx="0" cy="0"/>
+          <a:chOff x="0" y="0"/>
+          <a:chExt cx="0" cy="0"/>
+        </a:xfrm>
+      </p:grpSpPr>
+      <p:sp>
+        <p:nvSpPr>
+          <p:cNvPr id="2" name="Título 1"/>
+          <p:cNvSpPr>
+            <a:spLocks noGrp="1"/>
+          </p:cNvSpPr>
+          <p:nvPr>
+            <p:ph type="title"/>
+          </p:nvPr>
+        </p:nvSpPr>
+        <p:spPr>
+          <a:xfrm>
+            <a:off x="0" y="0"/>
+            <a:ext cx="5286412" cy="1143000"/>
+          </a:xfrm>
+        </p:spPr>
+        <p:txBody>
+          <a:bodyPr>
+            <a:normAutofit/>
+          </a:bodyPr>
+          <a:lstStyle/>
+          <a:p>
+            <a:pPr algn="l"/>
+            <a:r>
+              <a:rPr lang="pt-BR" sz="3200" b="1" dirty="0" smtClean="0"/>
+              <a:t>5. Base de dados</a:t>
+            </a:r>
+            <a:br>
+              <a:rPr lang="pt-BR" sz="3200" b="1" dirty="0" smtClean="0"/>
+            </a:br>
+            <a:endParaRPr lang="pt-BR" sz="3200" b="1" dirty="0"/>
+          </a:p>
+        </p:txBody>
+      </p:sp>
+      <p:pic>
+        <p:nvPicPr>
+          <p:cNvPr id="2050" name="Picture 2" descr="C:\Users\Guilherme\Desktop\TCC\TCC-BreastCancerNN\Projeto 2\resources\images\ppt_puc_logo.PNG"/>
+          <p:cNvPicPr>
+            <a:picLocks noChangeAspect="1" noChangeArrowheads="1"/>
+          </p:cNvPicPr>
+          <p:nvPr/>
+        </p:nvPicPr>
+        <p:blipFill>
+          <a:blip r:embed="rId2"/>
+          <a:srcRect/>
+          <a:stretch>
+            <a:fillRect/>
+          </a:stretch>
+        </p:blipFill>
+        <p:spPr bwMode="auto">
+          <a:xfrm>
+            <a:off x="8215339" y="0"/>
+            <a:ext cx="928662" cy="1751369"/>
+          </a:xfrm>
+          <a:prstGeom prst="rect">
+            <a:avLst/>
+          </a:prstGeom>
+          <a:noFill/>
+        </p:spPr>
+      </p:pic>
+      <p:cxnSp>
+        <p:nvCxnSpPr>
+          <p:cNvPr id="5" name="Conector reto 4"/>
+          <p:cNvCxnSpPr/>
+          <p:nvPr/>
+        </p:nvCxnSpPr>
+        <p:spPr>
+          <a:xfrm>
+            <a:off x="0" y="714356"/>
+            <a:ext cx="8143900" cy="1588"/>
+          </a:xfrm>
+          <a:prstGeom prst="line">
+            <a:avLst/>
+          </a:prstGeom>
+        </p:spPr>
+        <p:style>
+          <a:lnRef idx="1">
+            <a:schemeClr val="accent1"/>
+          </a:lnRef>
+          <a:fillRef idx="0">
+            <a:schemeClr val="accent1"/>
+          </a:fillRef>
+          <a:effectRef idx="0">
+            <a:schemeClr val="accent1"/>
+          </a:effectRef>
+          <a:fontRef idx="minor">
+            <a:schemeClr val="tx1"/>
+          </a:fontRef>
+        </p:style>
+      </p:cxnSp>
+      <p:sp>
+        <p:nvSpPr>
+          <p:cNvPr id="7" name="CaixaDeTexto 6"/>
+          <p:cNvSpPr txBox="1"/>
+          <p:nvPr/>
+        </p:nvSpPr>
+        <p:spPr>
+          <a:xfrm>
+            <a:off x="0" y="1071546"/>
+            <a:ext cx="7572396" cy="2031325"/>
+          </a:xfrm>
+          <a:prstGeom prst="rect">
+            <a:avLst/>
+          </a:prstGeom>
+          <a:noFill/>
+        </p:spPr>
+        <p:txBody>
+          <a:bodyPr wrap="square" rtlCol="0">
+            <a:spAutoFit/>
+          </a:bodyPr>
+          <a:lstStyle/>
+          <a:p>
+            <a:pPr marL="342900" indent="-342900">
+              <a:buFont typeface="Arial" pitchFamily="34" charset="0"/>
+              <a:buChar char="•"/>
+            </a:pPr>
+            <a:r>
+              <a:rPr lang="pt-BR" b="1" dirty="0" smtClean="0"/>
+              <a:t>CBIS-DDSM</a:t>
+            </a:r>
+          </a:p>
+          <a:p>
+            <a:pPr marL="800100" lvl="1" indent="-342900">
+              <a:buFont typeface="Arial" pitchFamily="34" charset="0"/>
+              <a:buChar char="•"/>
+            </a:pPr>
+            <a:r>
+              <a:rPr lang="pt-BR" dirty="0"/>
+              <a:t>CBIS-DDSM (</a:t>
+            </a:r>
+            <a:r>
+              <a:rPr lang="pt-BR" dirty="0" err="1"/>
+              <a:t>Curated</a:t>
+            </a:r>
+            <a:r>
+              <a:rPr lang="pt-BR" dirty="0"/>
+              <a:t> </a:t>
+            </a:r>
+            <a:r>
+              <a:rPr lang="pt-BR" dirty="0" err="1"/>
+              <a:t>Breast</a:t>
+            </a:r>
+            <a:r>
+              <a:rPr lang="pt-BR" dirty="0"/>
+              <a:t> </a:t>
+            </a:r>
+            <a:r>
+              <a:rPr lang="pt-BR" dirty="0" err="1"/>
+              <a:t>Imaging</a:t>
+            </a:r>
+            <a:r>
+              <a:rPr lang="pt-BR" dirty="0"/>
+              <a:t> </a:t>
+            </a:r>
+            <a:r>
+              <a:rPr lang="pt-BR" dirty="0" err="1"/>
+              <a:t>Subset</a:t>
+            </a:r>
+            <a:r>
+              <a:rPr lang="pt-BR" dirty="0"/>
+              <a:t> </a:t>
+            </a:r>
+            <a:r>
+              <a:rPr lang="pt-BR" dirty="0" err="1"/>
+              <a:t>of</a:t>
+            </a:r>
+            <a:r>
+              <a:rPr lang="pt-BR" dirty="0"/>
+              <a:t> </a:t>
+            </a:r>
+            <a:r>
+              <a:rPr lang="pt-BR" dirty="0" smtClean="0"/>
+              <a:t>DDSM), versão </a:t>
+            </a:r>
+            <a:r>
+              <a:rPr lang="pt-BR" dirty="0"/>
+              <a:t>atualizada e padronizada da DDSM (Digital Database for </a:t>
+            </a:r>
+            <a:r>
+              <a:rPr lang="pt-BR" dirty="0" err="1"/>
+              <a:t>Screening</a:t>
+            </a:r>
+            <a:r>
+              <a:rPr lang="pt-BR" dirty="0"/>
+              <a:t> </a:t>
+            </a:r>
+            <a:r>
+              <a:rPr lang="pt-BR" dirty="0" err="1"/>
+              <a:t>Mammography</a:t>
+            </a:r>
+            <a:r>
+              <a:rPr lang="pt-BR" dirty="0"/>
+              <a:t>) </a:t>
+            </a:r>
+            <a:r>
+              <a:rPr lang="pt-BR" dirty="0" smtClean="0"/>
+              <a:t>de 1997</a:t>
+            </a:r>
+          </a:p>
+          <a:p>
+            <a:pPr marL="800100" lvl="1" indent="-342900">
+              <a:buFont typeface="Arial" pitchFamily="34" charset="0"/>
+              <a:buChar char="•"/>
+            </a:pPr>
+            <a:r>
+              <a:rPr lang="pt-BR" dirty="0" smtClean="0"/>
+              <a:t>Coleção de dados das seguintes fontes: </a:t>
+            </a:r>
+            <a:r>
+              <a:rPr lang="en-US" dirty="0"/>
+              <a:t>Massachusetts General Hospital, Wake Forest University School of Medicine, Sacred Heart Hospital, and Washington University of St Louis School of </a:t>
+            </a:r>
+            <a:r>
+              <a:rPr lang="en-US" dirty="0" smtClean="0"/>
+              <a:t>Medicine</a:t>
+            </a:r>
+            <a:endParaRPr lang="pt-BR" dirty="0"/>
+          </a:p>
+        </p:txBody>
+      </p:sp>
+      <p:pic>
+        <p:nvPicPr>
+          <p:cNvPr id="21506" name="Picture 2" descr="Figure 1"/>
+          <p:cNvPicPr>
+            <a:picLocks noChangeAspect="1" noChangeArrowheads="1"/>
+          </p:cNvPicPr>
+          <p:nvPr/>
+        </p:nvPicPr>
+        <p:blipFill>
+          <a:blip r:embed="rId3"/>
+          <a:srcRect/>
+          <a:stretch>
+            <a:fillRect/>
+          </a:stretch>
+        </p:blipFill>
+        <p:spPr bwMode="auto">
+          <a:xfrm>
+            <a:off x="1500166" y="3571876"/>
+            <a:ext cx="5883409" cy="2789219"/>
+          </a:xfrm>
+          <a:prstGeom prst="rect">
+            <a:avLst/>
+          </a:prstGeom>
+          <a:noFill/>
+        </p:spPr>
+      </p:pic>
     </p:spTree>
   </p:cSld>
   <p:clrMapOvr>

--- a/Projeto 2/docs/Slides_defesa.pptx
+++ b/Projeto 2/docs/Slides_defesa.pptx
@@ -20,6 +20,7 @@
     <p:sldId id="268" r:id="rId14"/>
     <p:sldId id="269" r:id="rId15"/>
     <p:sldId id="270" r:id="rId16"/>
+    <p:sldId id="271" r:id="rId17"/>
   </p:sldIdLst>
   <p:sldSz cx="9144000" cy="6858000" type="screen4x3"/>
   <p:notesSz cx="6858000" cy="9144000"/>
@@ -3481,7 +3482,7 @@
       </p:sp>
       <p:pic>
         <p:nvPicPr>
-          <p:cNvPr id="24577" name="Picture 1"/>
+          <p:cNvPr id="24579" name="Picture 3"/>
           <p:cNvPicPr>
             <a:picLocks noChangeAspect="1" noChangeArrowheads="1"/>
           </p:cNvPicPr>
@@ -3496,8 +3497,8 @@
         </p:blipFill>
         <p:spPr bwMode="auto">
           <a:xfrm>
-            <a:off x="500034" y="2786058"/>
-            <a:ext cx="2928958" cy="3931889"/>
+            <a:off x="428595" y="2643182"/>
+            <a:ext cx="4357719" cy="571504"/>
           </a:xfrm>
           <a:prstGeom prst="rect">
             <a:avLst/>
@@ -3514,7 +3515,7 @@
       </p:pic>
       <p:pic>
         <p:nvPicPr>
-          <p:cNvPr id="24578" name="Picture 2"/>
+          <p:cNvPr id="24577" name="Picture 1"/>
           <p:cNvPicPr>
             <a:picLocks noChangeAspect="1" noChangeArrowheads="1"/>
           </p:cNvPicPr>
@@ -3529,8 +3530,41 @@
         </p:blipFill>
         <p:spPr bwMode="auto">
           <a:xfrm>
-            <a:off x="7072330" y="3643314"/>
-            <a:ext cx="1962144" cy="3049278"/>
+            <a:off x="428596" y="3000372"/>
+            <a:ext cx="2501164" cy="3357610"/>
+          </a:xfrm>
+          <a:prstGeom prst="rect">
+            <a:avLst/>
+          </a:prstGeom>
+          <a:noFill/>
+          <a:ln w="9525">
+            <a:noFill/>
+            <a:miter lim="800000"/>
+            <a:headEnd/>
+            <a:tailEnd/>
+          </a:ln>
+          <a:effectLst/>
+        </p:spPr>
+      </p:pic>
+      <p:pic>
+        <p:nvPicPr>
+          <p:cNvPr id="24580" name="Picture 4"/>
+          <p:cNvPicPr>
+            <a:picLocks noChangeAspect="1" noChangeArrowheads="1"/>
+          </p:cNvPicPr>
+          <p:nvPr/>
+        </p:nvPicPr>
+        <p:blipFill>
+          <a:blip r:embed="rId5"/>
+          <a:srcRect/>
+          <a:stretch>
+            <a:fillRect/>
+          </a:stretch>
+        </p:blipFill>
+        <p:spPr bwMode="auto">
+          <a:xfrm>
+            <a:off x="2928927" y="3071810"/>
+            <a:ext cx="1857388" cy="3286148"/>
           </a:xfrm>
           <a:prstGeom prst="rect">
             <a:avLst/>
@@ -15897,6 +15931,300 @@
           </a:graphicData>
         </a:graphic>
       </p:graphicFrame>
+    </p:spTree>
+  </p:cSld>
+  <p:clrMapOvr>
+    <a:masterClrMapping/>
+  </p:clrMapOvr>
+  <p:timing>
+    <p:tnLst>
+      <p:par>
+        <p:cTn id="1" dur="indefinite" restart="never" nodeType="tmRoot"/>
+      </p:par>
+    </p:tnLst>
+  </p:timing>
+</p:sld>
+</file>
+
+<file path=ppt/slides/slide16.xml><?xml version="1.0" encoding="utf-8"?>
+<p:sld xmlns:a="http://schemas.openxmlformats.org/drawingml/2006/main" xmlns:r="http://schemas.openxmlformats.org/officeDocument/2006/relationships" xmlns:p="http://schemas.openxmlformats.org/presentationml/2006/main">
+  <p:cSld>
+    <p:spTree>
+      <p:nvGrpSpPr>
+        <p:cNvPr id="1" name=""/>
+        <p:cNvGrpSpPr/>
+        <p:nvPr/>
+      </p:nvGrpSpPr>
+      <p:grpSpPr>
+        <a:xfrm>
+          <a:off x="0" y="0"/>
+          <a:ext cx="0" cy="0"/>
+          <a:chOff x="0" y="0"/>
+          <a:chExt cx="0" cy="0"/>
+        </a:xfrm>
+      </p:grpSpPr>
+      <p:sp>
+        <p:nvSpPr>
+          <p:cNvPr id="2" name="Título 1"/>
+          <p:cNvSpPr>
+            <a:spLocks noGrp="1"/>
+          </p:cNvSpPr>
+          <p:nvPr>
+            <p:ph type="title"/>
+          </p:nvPr>
+        </p:nvSpPr>
+        <p:spPr>
+          <a:xfrm>
+            <a:off x="0" y="0"/>
+            <a:ext cx="5286412" cy="1143000"/>
+          </a:xfrm>
+        </p:spPr>
+        <p:txBody>
+          <a:bodyPr>
+            <a:normAutofit/>
+          </a:bodyPr>
+          <a:lstStyle/>
+          <a:p>
+            <a:pPr algn="l"/>
+            <a:r>
+              <a:rPr lang="pt-BR" sz="3200" b="1" dirty="0" smtClean="0"/>
+              <a:t>8. Testes</a:t>
+            </a:r>
+            <a:br>
+              <a:rPr lang="pt-BR" sz="3200" b="1" dirty="0" smtClean="0"/>
+            </a:br>
+            <a:endParaRPr lang="pt-BR" sz="3200" b="1" dirty="0"/>
+          </a:p>
+        </p:txBody>
+      </p:sp>
+      <p:pic>
+        <p:nvPicPr>
+          <p:cNvPr id="2050" name="Picture 2" descr="C:\Users\Guilherme\Desktop\TCC\TCC-BreastCancerNN\Projeto 2\resources\images\ppt_puc_logo.PNG"/>
+          <p:cNvPicPr>
+            <a:picLocks noChangeAspect="1" noChangeArrowheads="1"/>
+          </p:cNvPicPr>
+          <p:nvPr/>
+        </p:nvPicPr>
+        <p:blipFill>
+          <a:blip r:embed="rId2"/>
+          <a:srcRect/>
+          <a:stretch>
+            <a:fillRect/>
+          </a:stretch>
+        </p:blipFill>
+        <p:spPr bwMode="auto">
+          <a:xfrm>
+            <a:off x="8215339" y="0"/>
+            <a:ext cx="928662" cy="1751369"/>
+          </a:xfrm>
+          <a:prstGeom prst="rect">
+            <a:avLst/>
+          </a:prstGeom>
+          <a:noFill/>
+        </p:spPr>
+      </p:pic>
+      <p:cxnSp>
+        <p:nvCxnSpPr>
+          <p:cNvPr id="5" name="Conector reto 4"/>
+          <p:cNvCxnSpPr/>
+          <p:nvPr/>
+        </p:nvCxnSpPr>
+        <p:spPr>
+          <a:xfrm>
+            <a:off x="0" y="714356"/>
+            <a:ext cx="8143900" cy="1588"/>
+          </a:xfrm>
+          <a:prstGeom prst="line">
+            <a:avLst/>
+          </a:prstGeom>
+        </p:spPr>
+        <p:style>
+          <a:lnRef idx="1">
+            <a:schemeClr val="accent1"/>
+          </a:lnRef>
+          <a:fillRef idx="0">
+            <a:schemeClr val="accent1"/>
+          </a:fillRef>
+          <a:effectRef idx="0">
+            <a:schemeClr val="accent1"/>
+          </a:effectRef>
+          <a:fontRef idx="minor">
+            <a:schemeClr val="tx1"/>
+          </a:fontRef>
+        </p:style>
+      </p:cxnSp>
+      <p:sp>
+        <p:nvSpPr>
+          <p:cNvPr id="7" name="CaixaDeTexto 6"/>
+          <p:cNvSpPr txBox="1"/>
+          <p:nvPr/>
+        </p:nvSpPr>
+        <p:spPr>
+          <a:xfrm>
+            <a:off x="0" y="1071546"/>
+            <a:ext cx="7572396" cy="1754326"/>
+          </a:xfrm>
+          <a:prstGeom prst="rect">
+            <a:avLst/>
+          </a:prstGeom>
+          <a:noFill/>
+        </p:spPr>
+        <p:txBody>
+          <a:bodyPr wrap="square" rtlCol="0">
+            <a:spAutoFit/>
+          </a:bodyPr>
+          <a:lstStyle/>
+          <a:p>
+            <a:pPr marL="342900" indent="-342900">
+              <a:buFont typeface="Arial" pitchFamily="34" charset="0"/>
+              <a:buChar char="•"/>
+            </a:pPr>
+            <a:r>
+              <a:rPr lang="pt-BR" b="1" dirty="0" smtClean="0"/>
+              <a:t>Data </a:t>
+            </a:r>
+            <a:r>
+              <a:rPr lang="pt-BR" b="1" dirty="0" err="1" smtClean="0"/>
+              <a:t>augmentation</a:t>
+            </a:r>
+            <a:endParaRPr lang="pt-BR" b="1" dirty="0" smtClean="0"/>
+          </a:p>
+          <a:p>
+            <a:pPr marL="800100" lvl="1" indent="-342900">
+              <a:buFont typeface="Arial" pitchFamily="34" charset="0"/>
+              <a:buChar char="•"/>
+            </a:pPr>
+            <a:r>
+              <a:rPr lang="pt-BR" dirty="0" smtClean="0"/>
+              <a:t>Processo com objetivo de </a:t>
+            </a:r>
+            <a:r>
+              <a:rPr lang="pt-BR" dirty="0"/>
+              <a:t>aumentar </a:t>
+            </a:r>
+            <a:r>
+              <a:rPr lang="pt-BR" dirty="0" smtClean="0"/>
+              <a:t>a base </a:t>
+            </a:r>
+            <a:r>
+              <a:rPr lang="pt-BR" dirty="0"/>
+              <a:t>de dados aplicando certas transformações nas </a:t>
+            </a:r>
+            <a:r>
+              <a:rPr lang="pt-BR" dirty="0" smtClean="0"/>
+              <a:t>imagens mantendo as </a:t>
+            </a:r>
+            <a:r>
+              <a:rPr lang="pt-BR" dirty="0"/>
+              <a:t>características que as </a:t>
+            </a:r>
+            <a:r>
+              <a:rPr lang="pt-BR" dirty="0" smtClean="0"/>
+              <a:t>classificam</a:t>
+            </a:r>
+          </a:p>
+          <a:p>
+            <a:pPr marL="800100" lvl="1" indent="-342900">
+              <a:buFont typeface="Arial" pitchFamily="34" charset="0"/>
+              <a:buChar char="•"/>
+            </a:pPr>
+            <a:r>
+              <a:rPr lang="pt-BR" dirty="0" smtClean="0"/>
+              <a:t>Aplicado o processo de espelhamento das imagens através do desenvolvimento de um script </a:t>
+            </a:r>
+            <a:r>
+              <a:rPr lang="pt-BR" dirty="0" err="1" smtClean="0"/>
+              <a:t>dataAugmentation</a:t>
+            </a:r>
+            <a:endParaRPr lang="pt-BR" dirty="0" smtClean="0"/>
+          </a:p>
+        </p:txBody>
+      </p:sp>
+      <p:pic>
+        <p:nvPicPr>
+          <p:cNvPr id="28676" name="Picture 4" descr="ex2"/>
+          <p:cNvPicPr>
+            <a:picLocks noChangeAspect="1" noChangeArrowheads="1"/>
+          </p:cNvPicPr>
+          <p:nvPr/>
+        </p:nvPicPr>
+        <p:blipFill>
+          <a:blip r:embed="rId3" cstate="print"/>
+          <a:srcRect/>
+          <a:stretch>
+            <a:fillRect/>
+          </a:stretch>
+        </p:blipFill>
+        <p:spPr bwMode="auto">
+          <a:xfrm>
+            <a:off x="4429124" y="4286256"/>
+            <a:ext cx="2239676" cy="2428892"/>
+          </a:xfrm>
+          <a:prstGeom prst="rect">
+            <a:avLst/>
+          </a:prstGeom>
+          <a:noFill/>
+        </p:spPr>
+      </p:pic>
+      <p:pic>
+        <p:nvPicPr>
+          <p:cNvPr id="28677" name="Picture 5"/>
+          <p:cNvPicPr>
+            <a:picLocks noChangeAspect="1" noChangeArrowheads="1"/>
+          </p:cNvPicPr>
+          <p:nvPr/>
+        </p:nvPicPr>
+        <p:blipFill>
+          <a:blip r:embed="rId4"/>
+          <a:srcRect/>
+          <a:stretch>
+            <a:fillRect/>
+          </a:stretch>
+        </p:blipFill>
+        <p:spPr bwMode="auto">
+          <a:xfrm>
+            <a:off x="2214546" y="2928934"/>
+            <a:ext cx="4463501" cy="1357322"/>
+          </a:xfrm>
+          <a:prstGeom prst="rect">
+            <a:avLst/>
+          </a:prstGeom>
+          <a:noFill/>
+          <a:ln w="9525">
+            <a:noFill/>
+            <a:miter lim="800000"/>
+            <a:headEnd/>
+            <a:tailEnd/>
+          </a:ln>
+          <a:effectLst/>
+        </p:spPr>
+      </p:pic>
+      <p:pic>
+        <p:nvPicPr>
+          <p:cNvPr id="28675" name="Picture 3" descr="ex1"/>
+          <p:cNvPicPr>
+            <a:picLocks noChangeAspect="1" noChangeArrowheads="1"/>
+          </p:cNvPicPr>
+          <p:nvPr/>
+        </p:nvPicPr>
+        <p:blipFill>
+          <a:blip r:embed="rId5"/>
+          <a:srcRect/>
+          <a:stretch>
+            <a:fillRect/>
+          </a:stretch>
+        </p:blipFill>
+        <p:spPr bwMode="auto">
+          <a:xfrm>
+            <a:off x="2214546" y="4286256"/>
+            <a:ext cx="2242149" cy="2428892"/>
+          </a:xfrm>
+          <a:prstGeom prst="rect">
+            <a:avLst/>
+          </a:prstGeom>
+          <a:noFill/>
+        </p:spPr>
+      </p:pic>
     </p:spTree>
   </p:cSld>
   <p:clrMapOvr>

--- a/Projeto 2/docs/Slides_defesa.pptx
+++ b/Projeto 2/docs/Slides_defesa.pptx
@@ -21,6 +21,7 @@
     <p:sldId id="269" r:id="rId15"/>
     <p:sldId id="270" r:id="rId16"/>
     <p:sldId id="271" r:id="rId17"/>
+    <p:sldId id="272" r:id="rId18"/>
   </p:sldIdLst>
   <p:sldSz cx="9144000" cy="6858000" type="screen4x3"/>
   <p:notesSz cx="6858000" cy="9144000"/>
@@ -3579,6 +3580,72 @@
           <a:effectLst/>
         </p:spPr>
       </p:pic>
+      <p:pic>
+        <p:nvPicPr>
+          <p:cNvPr id="24581" name="Picture 5"/>
+          <p:cNvPicPr>
+            <a:picLocks noChangeAspect="1" noChangeArrowheads="1"/>
+          </p:cNvPicPr>
+          <p:nvPr/>
+        </p:nvPicPr>
+        <p:blipFill>
+          <a:blip r:embed="rId6"/>
+          <a:srcRect/>
+          <a:stretch>
+            <a:fillRect/>
+          </a:stretch>
+        </p:blipFill>
+        <p:spPr bwMode="auto">
+          <a:xfrm>
+            <a:off x="5286380" y="2500306"/>
+            <a:ext cx="3041813" cy="2214578"/>
+          </a:xfrm>
+          <a:prstGeom prst="rect">
+            <a:avLst/>
+          </a:prstGeom>
+          <a:noFill/>
+          <a:ln w="9525">
+            <a:noFill/>
+            <a:miter lim="800000"/>
+            <a:headEnd/>
+            <a:tailEnd/>
+          </a:ln>
+          <a:effectLst/>
+        </p:spPr>
+      </p:pic>
+      <p:pic>
+        <p:nvPicPr>
+          <p:cNvPr id="24582" name="Picture 6"/>
+          <p:cNvPicPr>
+            <a:picLocks noChangeAspect="1" noChangeArrowheads="1"/>
+          </p:cNvPicPr>
+          <p:nvPr/>
+        </p:nvPicPr>
+        <p:blipFill>
+          <a:blip r:embed="rId7"/>
+          <a:srcRect/>
+          <a:stretch>
+            <a:fillRect/>
+          </a:stretch>
+        </p:blipFill>
+        <p:spPr bwMode="auto">
+          <a:xfrm>
+            <a:off x="5500694" y="4857760"/>
+            <a:ext cx="1846652" cy="1857388"/>
+          </a:xfrm>
+          <a:prstGeom prst="rect">
+            <a:avLst/>
+          </a:prstGeom>
+          <a:noFill/>
+          <a:ln w="9525">
+            <a:noFill/>
+            <a:miter lim="800000"/>
+            <a:headEnd/>
+            <a:tailEnd/>
+          </a:ln>
+          <a:effectLst/>
+        </p:spPr>
+      </p:pic>
     </p:spTree>
   </p:cSld>
   <p:clrMapOvr>
@@ -16225,6 +16292,314 @@
           <a:noFill/>
         </p:spPr>
       </p:pic>
+    </p:spTree>
+  </p:cSld>
+  <p:clrMapOvr>
+    <a:masterClrMapping/>
+  </p:clrMapOvr>
+  <p:timing>
+    <p:tnLst>
+      <p:par>
+        <p:cTn id="1" dur="indefinite" restart="never" nodeType="tmRoot"/>
+      </p:par>
+    </p:tnLst>
+  </p:timing>
+</p:sld>
+</file>
+
+<file path=ppt/slides/slide17.xml><?xml version="1.0" encoding="utf-8"?>
+<p:sld xmlns:a="http://schemas.openxmlformats.org/drawingml/2006/main" xmlns:r="http://schemas.openxmlformats.org/officeDocument/2006/relationships" xmlns:p="http://schemas.openxmlformats.org/presentationml/2006/main">
+  <p:cSld>
+    <p:spTree>
+      <p:nvGrpSpPr>
+        <p:cNvPr id="1" name=""/>
+        <p:cNvGrpSpPr/>
+        <p:nvPr/>
+      </p:nvGrpSpPr>
+      <p:grpSpPr>
+        <a:xfrm>
+          <a:off x="0" y="0"/>
+          <a:ext cx="0" cy="0"/>
+          <a:chOff x="0" y="0"/>
+          <a:chExt cx="0" cy="0"/>
+        </a:xfrm>
+      </p:grpSpPr>
+      <p:sp>
+        <p:nvSpPr>
+          <p:cNvPr id="2" name="Título 1"/>
+          <p:cNvSpPr>
+            <a:spLocks noGrp="1"/>
+          </p:cNvSpPr>
+          <p:nvPr>
+            <p:ph type="title"/>
+          </p:nvPr>
+        </p:nvSpPr>
+        <p:spPr>
+          <a:xfrm>
+            <a:off x="0" y="0"/>
+            <a:ext cx="5286412" cy="1143000"/>
+          </a:xfrm>
+        </p:spPr>
+        <p:txBody>
+          <a:bodyPr>
+            <a:normAutofit/>
+          </a:bodyPr>
+          <a:lstStyle/>
+          <a:p>
+            <a:pPr algn="l"/>
+            <a:r>
+              <a:rPr lang="pt-BR" sz="3200" b="1" smtClean="0"/>
+              <a:t>9. </a:t>
+            </a:r>
+            <a:r>
+              <a:rPr lang="pt-BR" sz="3200" b="1" dirty="0" smtClean="0"/>
+              <a:t>Conclusão</a:t>
+            </a:r>
+            <a:br>
+              <a:rPr lang="pt-BR" sz="3200" b="1" dirty="0" smtClean="0"/>
+            </a:br>
+            <a:endParaRPr lang="pt-BR" sz="3200" b="1" dirty="0"/>
+          </a:p>
+        </p:txBody>
+      </p:sp>
+      <p:pic>
+        <p:nvPicPr>
+          <p:cNvPr id="2050" name="Picture 2" descr="C:\Users\Guilherme\Desktop\TCC\TCC-BreastCancerNN\Projeto 2\resources\images\ppt_puc_logo.PNG"/>
+          <p:cNvPicPr>
+            <a:picLocks noChangeAspect="1" noChangeArrowheads="1"/>
+          </p:cNvPicPr>
+          <p:nvPr/>
+        </p:nvPicPr>
+        <p:blipFill>
+          <a:blip r:embed="rId2"/>
+          <a:srcRect/>
+          <a:stretch>
+            <a:fillRect/>
+          </a:stretch>
+        </p:blipFill>
+        <p:spPr bwMode="auto">
+          <a:xfrm>
+            <a:off x="8215339" y="0"/>
+            <a:ext cx="928662" cy="1751369"/>
+          </a:xfrm>
+          <a:prstGeom prst="rect">
+            <a:avLst/>
+          </a:prstGeom>
+          <a:noFill/>
+        </p:spPr>
+      </p:pic>
+      <p:cxnSp>
+        <p:nvCxnSpPr>
+          <p:cNvPr id="5" name="Conector reto 4"/>
+          <p:cNvCxnSpPr/>
+          <p:nvPr/>
+        </p:nvCxnSpPr>
+        <p:spPr>
+          <a:xfrm>
+            <a:off x="0" y="714356"/>
+            <a:ext cx="8143900" cy="1588"/>
+          </a:xfrm>
+          <a:prstGeom prst="line">
+            <a:avLst/>
+          </a:prstGeom>
+        </p:spPr>
+        <p:style>
+          <a:lnRef idx="1">
+            <a:schemeClr val="accent1"/>
+          </a:lnRef>
+          <a:fillRef idx="0">
+            <a:schemeClr val="accent1"/>
+          </a:fillRef>
+          <a:effectRef idx="0">
+            <a:schemeClr val="accent1"/>
+          </a:effectRef>
+          <a:fontRef idx="minor">
+            <a:schemeClr val="tx1"/>
+          </a:fontRef>
+        </p:style>
+      </p:cxnSp>
+      <p:sp>
+        <p:nvSpPr>
+          <p:cNvPr id="7" name="CaixaDeTexto 6"/>
+          <p:cNvSpPr txBox="1"/>
+          <p:nvPr/>
+        </p:nvSpPr>
+        <p:spPr>
+          <a:xfrm>
+            <a:off x="0" y="1071546"/>
+            <a:ext cx="7572396" cy="369332"/>
+          </a:xfrm>
+          <a:prstGeom prst="rect">
+            <a:avLst/>
+          </a:prstGeom>
+          <a:noFill/>
+        </p:spPr>
+        <p:txBody>
+          <a:bodyPr wrap="square" rtlCol="0">
+            <a:spAutoFit/>
+          </a:bodyPr>
+          <a:lstStyle/>
+          <a:p>
+            <a:pPr marL="342900" indent="-342900">
+              <a:buFont typeface="Arial" pitchFamily="34" charset="0"/>
+              <a:buChar char="•"/>
+            </a:pPr>
+            <a:r>
+              <a:rPr lang="pt-BR" b="1" dirty="0" smtClean="0"/>
+              <a:t>Assertividade final</a:t>
+            </a:r>
+          </a:p>
+        </p:txBody>
+      </p:sp>
+      <p:pic>
+        <p:nvPicPr>
+          <p:cNvPr id="29698" name="Picture 2" descr="Capturar"/>
+          <p:cNvPicPr>
+            <a:picLocks noChangeAspect="1" noChangeArrowheads="1"/>
+          </p:cNvPicPr>
+          <p:nvPr/>
+        </p:nvPicPr>
+        <p:blipFill>
+          <a:blip r:embed="rId3"/>
+          <a:srcRect/>
+          <a:stretch>
+            <a:fillRect/>
+          </a:stretch>
+        </p:blipFill>
+        <p:spPr bwMode="auto">
+          <a:xfrm>
+            <a:off x="428596" y="1571612"/>
+            <a:ext cx="3822700" cy="230188"/>
+          </a:xfrm>
+          <a:prstGeom prst="rect">
+            <a:avLst/>
+          </a:prstGeom>
+          <a:noFill/>
+        </p:spPr>
+      </p:pic>
+      <p:sp>
+        <p:nvSpPr>
+          <p:cNvPr id="10" name="CaixaDeTexto 9"/>
+          <p:cNvSpPr txBox="1"/>
+          <p:nvPr/>
+        </p:nvSpPr>
+        <p:spPr>
+          <a:xfrm>
+            <a:off x="0" y="2357430"/>
+            <a:ext cx="7572396" cy="2031325"/>
+          </a:xfrm>
+          <a:prstGeom prst="rect">
+            <a:avLst/>
+          </a:prstGeom>
+          <a:noFill/>
+        </p:spPr>
+        <p:txBody>
+          <a:bodyPr wrap="square" rtlCol="0">
+            <a:spAutoFit/>
+          </a:bodyPr>
+          <a:lstStyle/>
+          <a:p>
+            <a:pPr marL="342900" indent="-342900">
+              <a:buFont typeface="Arial" pitchFamily="34" charset="0"/>
+              <a:buChar char="•"/>
+            </a:pPr>
+            <a:r>
+              <a:rPr lang="pt-BR" b="1" dirty="0" smtClean="0"/>
+              <a:t>Para o futuro</a:t>
+            </a:r>
+          </a:p>
+          <a:p>
+            <a:pPr marL="800100" lvl="1" indent="-342900">
+              <a:buFont typeface="Arial" pitchFamily="34" charset="0"/>
+              <a:buChar char="•"/>
+            </a:pPr>
+            <a:r>
+              <a:rPr lang="pt-BR" dirty="0" smtClean="0"/>
+              <a:t>Testes com </a:t>
+            </a:r>
+            <a:r>
+              <a:rPr lang="pt-BR" dirty="0" err="1" smtClean="0"/>
+              <a:t>AutoAugment</a:t>
+            </a:r>
+            <a:r>
+              <a:rPr lang="pt-BR" dirty="0" smtClean="0"/>
+              <a:t>, testes com outra base de dados, testes com outras arquiteturas para aumentar assertividade do software</a:t>
+            </a:r>
+          </a:p>
+          <a:p>
+            <a:pPr marL="800100" lvl="1" indent="-342900">
+              <a:buFont typeface="Arial" pitchFamily="34" charset="0"/>
+              <a:buChar char="•"/>
+            </a:pPr>
+            <a:r>
+              <a:rPr lang="pt-BR" dirty="0" smtClean="0"/>
+              <a:t>Automação dos scripts desenvolvidos e da segmentação</a:t>
+            </a:r>
+          </a:p>
+          <a:p>
+            <a:pPr marL="800100" lvl="1" indent="-342900">
+              <a:buFont typeface="Arial" pitchFamily="34" charset="0"/>
+              <a:buChar char="•"/>
+            </a:pPr>
+            <a:r>
+              <a:rPr lang="pt-BR" dirty="0" smtClean="0"/>
+              <a:t>Uso de </a:t>
+            </a:r>
+            <a:r>
+              <a:rPr lang="pt-BR" dirty="0" err="1" smtClean="0"/>
+              <a:t>GPUs</a:t>
+            </a:r>
+            <a:r>
+              <a:rPr lang="pt-BR" dirty="0" smtClean="0"/>
+              <a:t> (</a:t>
+            </a:r>
+            <a:r>
+              <a:rPr lang="pt-BR" dirty="0" err="1"/>
+              <a:t>Graphics</a:t>
+            </a:r>
+            <a:r>
+              <a:rPr lang="pt-BR" dirty="0"/>
+              <a:t> </a:t>
+            </a:r>
+            <a:r>
+              <a:rPr lang="pt-BR" dirty="0" err="1"/>
+              <a:t>Processing</a:t>
+            </a:r>
+            <a:r>
+              <a:rPr lang="pt-BR" dirty="0"/>
+              <a:t> </a:t>
+            </a:r>
+            <a:r>
+              <a:rPr lang="pt-BR" dirty="0" err="1" smtClean="0"/>
+              <a:t>Units</a:t>
+            </a:r>
+            <a:r>
+              <a:rPr lang="pt-BR" dirty="0" smtClean="0"/>
+              <a:t>) para treinamento da rede</a:t>
+            </a:r>
+          </a:p>
+          <a:p>
+            <a:pPr marL="800100" lvl="1" indent="-342900">
+              <a:buFont typeface="Arial" pitchFamily="34" charset="0"/>
+              <a:buChar char="•"/>
+            </a:pPr>
+            <a:r>
+              <a:rPr lang="pt-BR" dirty="0" smtClean="0"/>
+              <a:t>Classificação dentro da escala BI-RADS</a:t>
+            </a:r>
+          </a:p>
+          <a:p>
+            <a:pPr marL="800100" lvl="1" indent="-342900">
+              <a:buFont typeface="Arial" pitchFamily="34" charset="0"/>
+              <a:buChar char="•"/>
+            </a:pPr>
+            <a:r>
+              <a:rPr lang="pt-BR" dirty="0" smtClean="0"/>
+              <a:t>Desenvolvimento de uma ferramenta CAD para uso profissional</a:t>
+            </a:r>
+          </a:p>
+        </p:txBody>
+      </p:sp>
     </p:spTree>
   </p:cSld>
   <p:clrMapOvr>

--- a/Projeto 2/docs/Slides_defesa.pptx
+++ b/Projeto 2/docs/Slides_defesa.pptx
@@ -9,19 +9,20 @@
     <p:sldId id="257" r:id="rId3"/>
     <p:sldId id="258" r:id="rId4"/>
     <p:sldId id="259" r:id="rId5"/>
-    <p:sldId id="261" r:id="rId6"/>
-    <p:sldId id="260" r:id="rId7"/>
-    <p:sldId id="262" r:id="rId8"/>
-    <p:sldId id="263" r:id="rId9"/>
-    <p:sldId id="264" r:id="rId10"/>
-    <p:sldId id="265" r:id="rId11"/>
-    <p:sldId id="266" r:id="rId12"/>
-    <p:sldId id="267" r:id="rId13"/>
-    <p:sldId id="268" r:id="rId14"/>
-    <p:sldId id="269" r:id="rId15"/>
-    <p:sldId id="270" r:id="rId16"/>
-    <p:sldId id="271" r:id="rId17"/>
-    <p:sldId id="272" r:id="rId18"/>
+    <p:sldId id="273" r:id="rId6"/>
+    <p:sldId id="261" r:id="rId7"/>
+    <p:sldId id="260" r:id="rId8"/>
+    <p:sldId id="262" r:id="rId9"/>
+    <p:sldId id="263" r:id="rId10"/>
+    <p:sldId id="264" r:id="rId11"/>
+    <p:sldId id="265" r:id="rId12"/>
+    <p:sldId id="266" r:id="rId13"/>
+    <p:sldId id="267" r:id="rId14"/>
+    <p:sldId id="268" r:id="rId15"/>
+    <p:sldId id="269" r:id="rId16"/>
+    <p:sldId id="270" r:id="rId17"/>
+    <p:sldId id="271" r:id="rId18"/>
+    <p:sldId id="272" r:id="rId19"/>
   </p:sldIdLst>
   <p:sldSz cx="9144000" cy="6858000" type="screen4x3"/>
   <p:notesSz cx="6858000" cy="9144000"/>
@@ -304,7 +305,8 @@
           <a:p>
             <a:fld id="{11EF8A80-1FFA-4541-9486-3D9B191344E4}" type="datetimeFigureOut">
               <a:rPr lang="pt-BR" smtClean="0"/>
-              <a:t>04/08/2019</a:t>
+              <a:pPr/>
+              <a:t>07/08/2019</a:t>
             </a:fld>
             <a:endParaRPr lang="pt-BR"/>
           </a:p>
@@ -346,6 +348,7 @@
           <a:p>
             <a:fld id="{847098C6-F40D-49C7-9309-DB24707A0F08}" type="slidenum">
               <a:rPr lang="pt-BR" smtClean="0"/>
+              <a:pPr/>
               <a:t>‹nº›</a:t>
             </a:fld>
             <a:endParaRPr lang="pt-BR"/>
@@ -469,7 +472,8 @@
           <a:p>
             <a:fld id="{11EF8A80-1FFA-4541-9486-3D9B191344E4}" type="datetimeFigureOut">
               <a:rPr lang="pt-BR" smtClean="0"/>
-              <a:t>04/08/2019</a:t>
+              <a:pPr/>
+              <a:t>07/08/2019</a:t>
             </a:fld>
             <a:endParaRPr lang="pt-BR"/>
           </a:p>
@@ -511,6 +515,7 @@
           <a:p>
             <a:fld id="{847098C6-F40D-49C7-9309-DB24707A0F08}" type="slidenum">
               <a:rPr lang="pt-BR" smtClean="0"/>
+              <a:pPr/>
               <a:t>‹nº›</a:t>
             </a:fld>
             <a:endParaRPr lang="pt-BR"/>
@@ -644,7 +649,8 @@
           <a:p>
             <a:fld id="{11EF8A80-1FFA-4541-9486-3D9B191344E4}" type="datetimeFigureOut">
               <a:rPr lang="pt-BR" smtClean="0"/>
-              <a:t>04/08/2019</a:t>
+              <a:pPr/>
+              <a:t>07/08/2019</a:t>
             </a:fld>
             <a:endParaRPr lang="pt-BR"/>
           </a:p>
@@ -686,6 +692,7 @@
           <a:p>
             <a:fld id="{847098C6-F40D-49C7-9309-DB24707A0F08}" type="slidenum">
               <a:rPr lang="pt-BR" smtClean="0"/>
+              <a:pPr/>
               <a:t>‹nº›</a:t>
             </a:fld>
             <a:endParaRPr lang="pt-BR"/>
@@ -809,7 +816,8 @@
           <a:p>
             <a:fld id="{11EF8A80-1FFA-4541-9486-3D9B191344E4}" type="datetimeFigureOut">
               <a:rPr lang="pt-BR" smtClean="0"/>
-              <a:t>04/08/2019</a:t>
+              <a:pPr/>
+              <a:t>07/08/2019</a:t>
             </a:fld>
             <a:endParaRPr lang="pt-BR"/>
           </a:p>
@@ -851,6 +859,7 @@
           <a:p>
             <a:fld id="{847098C6-F40D-49C7-9309-DB24707A0F08}" type="slidenum">
               <a:rPr lang="pt-BR" smtClean="0"/>
+              <a:pPr/>
               <a:t>‹nº›</a:t>
             </a:fld>
             <a:endParaRPr lang="pt-BR"/>
@@ -1050,7 +1059,8 @@
           <a:p>
             <a:fld id="{11EF8A80-1FFA-4541-9486-3D9B191344E4}" type="datetimeFigureOut">
               <a:rPr lang="pt-BR" smtClean="0"/>
-              <a:t>04/08/2019</a:t>
+              <a:pPr/>
+              <a:t>07/08/2019</a:t>
             </a:fld>
             <a:endParaRPr lang="pt-BR"/>
           </a:p>
@@ -1092,6 +1102,7 @@
           <a:p>
             <a:fld id="{847098C6-F40D-49C7-9309-DB24707A0F08}" type="slidenum">
               <a:rPr lang="pt-BR" smtClean="0"/>
+              <a:pPr/>
               <a:t>‹nº›</a:t>
             </a:fld>
             <a:endParaRPr lang="pt-BR"/>
@@ -1333,7 +1344,8 @@
           <a:p>
             <a:fld id="{11EF8A80-1FFA-4541-9486-3D9B191344E4}" type="datetimeFigureOut">
               <a:rPr lang="pt-BR" smtClean="0"/>
-              <a:t>04/08/2019</a:t>
+              <a:pPr/>
+              <a:t>07/08/2019</a:t>
             </a:fld>
             <a:endParaRPr lang="pt-BR"/>
           </a:p>
@@ -1375,6 +1387,7 @@
           <a:p>
             <a:fld id="{847098C6-F40D-49C7-9309-DB24707A0F08}" type="slidenum">
               <a:rPr lang="pt-BR" smtClean="0"/>
+              <a:pPr/>
               <a:t>‹nº›</a:t>
             </a:fld>
             <a:endParaRPr lang="pt-BR"/>
@@ -1750,7 +1763,8 @@
           <a:p>
             <a:fld id="{11EF8A80-1FFA-4541-9486-3D9B191344E4}" type="datetimeFigureOut">
               <a:rPr lang="pt-BR" smtClean="0"/>
-              <a:t>04/08/2019</a:t>
+              <a:pPr/>
+              <a:t>07/08/2019</a:t>
             </a:fld>
             <a:endParaRPr lang="pt-BR"/>
           </a:p>
@@ -1792,6 +1806,7 @@
           <a:p>
             <a:fld id="{847098C6-F40D-49C7-9309-DB24707A0F08}" type="slidenum">
               <a:rPr lang="pt-BR" smtClean="0"/>
+              <a:pPr/>
               <a:t>‹nº›</a:t>
             </a:fld>
             <a:endParaRPr lang="pt-BR"/>
@@ -1863,7 +1878,8 @@
           <a:p>
             <a:fld id="{11EF8A80-1FFA-4541-9486-3D9B191344E4}" type="datetimeFigureOut">
               <a:rPr lang="pt-BR" smtClean="0"/>
-              <a:t>04/08/2019</a:t>
+              <a:pPr/>
+              <a:t>07/08/2019</a:t>
             </a:fld>
             <a:endParaRPr lang="pt-BR"/>
           </a:p>
@@ -1905,6 +1921,7 @@
           <a:p>
             <a:fld id="{847098C6-F40D-49C7-9309-DB24707A0F08}" type="slidenum">
               <a:rPr lang="pt-BR" smtClean="0"/>
+              <a:pPr/>
               <a:t>‹nº›</a:t>
             </a:fld>
             <a:endParaRPr lang="pt-BR"/>
@@ -1953,7 +1970,8 @@
           <a:p>
             <a:fld id="{11EF8A80-1FFA-4541-9486-3D9B191344E4}" type="datetimeFigureOut">
               <a:rPr lang="pt-BR" smtClean="0"/>
-              <a:t>04/08/2019</a:t>
+              <a:pPr/>
+              <a:t>07/08/2019</a:t>
             </a:fld>
             <a:endParaRPr lang="pt-BR"/>
           </a:p>
@@ -1995,6 +2013,7 @@
           <a:p>
             <a:fld id="{847098C6-F40D-49C7-9309-DB24707A0F08}" type="slidenum">
               <a:rPr lang="pt-BR" smtClean="0"/>
+              <a:pPr/>
               <a:t>‹nº›</a:t>
             </a:fld>
             <a:endParaRPr lang="pt-BR"/>
@@ -2225,7 +2244,8 @@
           <a:p>
             <a:fld id="{11EF8A80-1FFA-4541-9486-3D9B191344E4}" type="datetimeFigureOut">
               <a:rPr lang="pt-BR" smtClean="0"/>
-              <a:t>04/08/2019</a:t>
+              <a:pPr/>
+              <a:t>07/08/2019</a:t>
             </a:fld>
             <a:endParaRPr lang="pt-BR"/>
           </a:p>
@@ -2267,6 +2287,7 @@
           <a:p>
             <a:fld id="{847098C6-F40D-49C7-9309-DB24707A0F08}" type="slidenum">
               <a:rPr lang="pt-BR" smtClean="0"/>
+              <a:pPr/>
               <a:t>‹nº›</a:t>
             </a:fld>
             <a:endParaRPr lang="pt-BR"/>
@@ -2473,7 +2494,8 @@
           <a:p>
             <a:fld id="{11EF8A80-1FFA-4541-9486-3D9B191344E4}" type="datetimeFigureOut">
               <a:rPr lang="pt-BR" smtClean="0"/>
-              <a:t>04/08/2019</a:t>
+              <a:pPr/>
+              <a:t>07/08/2019</a:t>
             </a:fld>
             <a:endParaRPr lang="pt-BR"/>
           </a:p>
@@ -2515,6 +2537,7 @@
           <a:p>
             <a:fld id="{847098C6-F40D-49C7-9309-DB24707A0F08}" type="slidenum">
               <a:rPr lang="pt-BR" smtClean="0"/>
+              <a:pPr/>
               <a:t>‹nº›</a:t>
             </a:fld>
             <a:endParaRPr lang="pt-BR"/>
@@ -2681,7 +2704,8 @@
           <a:p>
             <a:fld id="{11EF8A80-1FFA-4541-9486-3D9B191344E4}" type="datetimeFigureOut">
               <a:rPr lang="pt-BR" smtClean="0"/>
-              <a:t>04/08/2019</a:t>
+              <a:pPr/>
+              <a:t>07/08/2019</a:t>
             </a:fld>
             <a:endParaRPr lang="pt-BR"/>
           </a:p>
@@ -2759,6 +2783,7 @@
           <a:p>
             <a:fld id="{847098C6-F40D-49C7-9309-DB24707A0F08}" type="slidenum">
               <a:rPr lang="pt-BR" smtClean="0"/>
+              <a:pPr/>
               <a:t>‹nº›</a:t>
             </a:fld>
             <a:endParaRPr lang="pt-BR"/>
@@ -3322,6 +3347,284 @@
             <a:pPr algn="l"/>
             <a:r>
               <a:rPr lang="pt-BR" sz="3200" b="1" dirty="0" smtClean="0"/>
+              <a:t>5. Base de dados</a:t>
+            </a:r>
+            <a:br>
+              <a:rPr lang="pt-BR" sz="3200" b="1" dirty="0" smtClean="0"/>
+            </a:br>
+            <a:endParaRPr lang="pt-BR" sz="3200" b="1" dirty="0"/>
+          </a:p>
+        </p:txBody>
+      </p:sp>
+      <p:pic>
+        <p:nvPicPr>
+          <p:cNvPr id="2050" name="Picture 2" descr="C:\Users\Guilherme\Desktop\TCC\TCC-BreastCancerNN\Projeto 2\resources\images\ppt_puc_logo.PNG"/>
+          <p:cNvPicPr>
+            <a:picLocks noChangeAspect="1" noChangeArrowheads="1"/>
+          </p:cNvPicPr>
+          <p:nvPr/>
+        </p:nvPicPr>
+        <p:blipFill>
+          <a:blip r:embed="rId2"/>
+          <a:srcRect/>
+          <a:stretch>
+            <a:fillRect/>
+          </a:stretch>
+        </p:blipFill>
+        <p:spPr bwMode="auto">
+          <a:xfrm>
+            <a:off x="8215339" y="0"/>
+            <a:ext cx="928662" cy="1751369"/>
+          </a:xfrm>
+          <a:prstGeom prst="rect">
+            <a:avLst/>
+          </a:prstGeom>
+          <a:noFill/>
+        </p:spPr>
+      </p:pic>
+      <p:cxnSp>
+        <p:nvCxnSpPr>
+          <p:cNvPr id="5" name="Conector reto 4"/>
+          <p:cNvCxnSpPr/>
+          <p:nvPr/>
+        </p:nvCxnSpPr>
+        <p:spPr>
+          <a:xfrm>
+            <a:off x="0" y="714356"/>
+            <a:ext cx="8143900" cy="1588"/>
+          </a:xfrm>
+          <a:prstGeom prst="line">
+            <a:avLst/>
+          </a:prstGeom>
+        </p:spPr>
+        <p:style>
+          <a:lnRef idx="1">
+            <a:schemeClr val="accent1"/>
+          </a:lnRef>
+          <a:fillRef idx="0">
+            <a:schemeClr val="accent1"/>
+          </a:fillRef>
+          <a:effectRef idx="0">
+            <a:schemeClr val="accent1"/>
+          </a:effectRef>
+          <a:fontRef idx="minor">
+            <a:schemeClr val="tx1"/>
+          </a:fontRef>
+        </p:style>
+      </p:cxnSp>
+      <p:sp>
+        <p:nvSpPr>
+          <p:cNvPr id="7" name="CaixaDeTexto 6"/>
+          <p:cNvSpPr txBox="1"/>
+          <p:nvPr/>
+        </p:nvSpPr>
+        <p:spPr>
+          <a:xfrm>
+            <a:off x="0" y="1071546"/>
+            <a:ext cx="7572396" cy="2031325"/>
+          </a:xfrm>
+          <a:prstGeom prst="rect">
+            <a:avLst/>
+          </a:prstGeom>
+          <a:noFill/>
+        </p:spPr>
+        <p:txBody>
+          <a:bodyPr wrap="square" rtlCol="0">
+            <a:spAutoFit/>
+          </a:bodyPr>
+          <a:lstStyle/>
+          <a:p>
+            <a:pPr marL="342900" indent="-342900">
+              <a:buFont typeface="Arial" pitchFamily="34" charset="0"/>
+              <a:buChar char="•"/>
+            </a:pPr>
+            <a:r>
+              <a:rPr lang="pt-BR" b="1" dirty="0" smtClean="0"/>
+              <a:t>CBIS-DDSM</a:t>
+            </a:r>
+          </a:p>
+          <a:p>
+            <a:pPr marL="800100" lvl="1" indent="-342900">
+              <a:buFont typeface="Arial" pitchFamily="34" charset="0"/>
+              <a:buChar char="•"/>
+            </a:pPr>
+            <a:r>
+              <a:rPr lang="pt-BR" dirty="0"/>
+              <a:t>CBIS-DDSM (</a:t>
+            </a:r>
+            <a:r>
+              <a:rPr lang="pt-BR" dirty="0" err="1"/>
+              <a:t>Curated</a:t>
+            </a:r>
+            <a:r>
+              <a:rPr lang="pt-BR" dirty="0"/>
+              <a:t> </a:t>
+            </a:r>
+            <a:r>
+              <a:rPr lang="pt-BR" dirty="0" err="1"/>
+              <a:t>Breast</a:t>
+            </a:r>
+            <a:r>
+              <a:rPr lang="pt-BR" dirty="0"/>
+              <a:t> </a:t>
+            </a:r>
+            <a:r>
+              <a:rPr lang="pt-BR" dirty="0" err="1"/>
+              <a:t>Imaging</a:t>
+            </a:r>
+            <a:r>
+              <a:rPr lang="pt-BR" dirty="0"/>
+              <a:t> </a:t>
+            </a:r>
+            <a:r>
+              <a:rPr lang="pt-BR" dirty="0" err="1"/>
+              <a:t>Subset</a:t>
+            </a:r>
+            <a:r>
+              <a:rPr lang="pt-BR" dirty="0"/>
+              <a:t> </a:t>
+            </a:r>
+            <a:r>
+              <a:rPr lang="pt-BR" dirty="0" err="1"/>
+              <a:t>of</a:t>
+            </a:r>
+            <a:r>
+              <a:rPr lang="pt-BR" dirty="0"/>
+              <a:t> </a:t>
+            </a:r>
+            <a:r>
+              <a:rPr lang="pt-BR" dirty="0" smtClean="0"/>
+              <a:t>DDSM), versão </a:t>
+            </a:r>
+            <a:r>
+              <a:rPr lang="pt-BR" dirty="0"/>
+              <a:t>atualizada e padronizada da DDSM (Digital Database for </a:t>
+            </a:r>
+            <a:r>
+              <a:rPr lang="pt-BR" dirty="0" err="1"/>
+              <a:t>Screening</a:t>
+            </a:r>
+            <a:r>
+              <a:rPr lang="pt-BR" dirty="0"/>
+              <a:t> </a:t>
+            </a:r>
+            <a:r>
+              <a:rPr lang="pt-BR" dirty="0" err="1"/>
+              <a:t>Mammography</a:t>
+            </a:r>
+            <a:r>
+              <a:rPr lang="pt-BR" dirty="0"/>
+              <a:t>) </a:t>
+            </a:r>
+            <a:r>
+              <a:rPr lang="pt-BR" dirty="0" smtClean="0"/>
+              <a:t>de 1997</a:t>
+            </a:r>
+          </a:p>
+          <a:p>
+            <a:pPr marL="800100" lvl="1" indent="-342900">
+              <a:buFont typeface="Arial" pitchFamily="34" charset="0"/>
+              <a:buChar char="•"/>
+            </a:pPr>
+            <a:r>
+              <a:rPr lang="pt-BR" dirty="0" smtClean="0"/>
+              <a:t>Coleção de dados das seguintes fontes: </a:t>
+            </a:r>
+            <a:r>
+              <a:rPr lang="en-US" dirty="0"/>
+              <a:t>Massachusetts General Hospital, Wake Forest University School of Medicine, Sacred Heart Hospital, and Washington University of St Louis School of </a:t>
+            </a:r>
+            <a:r>
+              <a:rPr lang="en-US" dirty="0" smtClean="0"/>
+              <a:t>Medicine</a:t>
+            </a:r>
+            <a:endParaRPr lang="pt-BR" dirty="0"/>
+          </a:p>
+        </p:txBody>
+      </p:sp>
+      <p:pic>
+        <p:nvPicPr>
+          <p:cNvPr id="21506" name="Picture 2" descr="Figure 1"/>
+          <p:cNvPicPr>
+            <a:picLocks noChangeAspect="1" noChangeArrowheads="1"/>
+          </p:cNvPicPr>
+          <p:nvPr/>
+        </p:nvPicPr>
+        <p:blipFill>
+          <a:blip r:embed="rId3"/>
+          <a:srcRect/>
+          <a:stretch>
+            <a:fillRect/>
+          </a:stretch>
+        </p:blipFill>
+        <p:spPr bwMode="auto">
+          <a:xfrm>
+            <a:off x="1500166" y="3571876"/>
+            <a:ext cx="5883409" cy="2789219"/>
+          </a:xfrm>
+          <a:prstGeom prst="rect">
+            <a:avLst/>
+          </a:prstGeom>
+          <a:noFill/>
+        </p:spPr>
+      </p:pic>
+    </p:spTree>
+  </p:cSld>
+  <p:clrMapOvr>
+    <a:masterClrMapping/>
+  </p:clrMapOvr>
+  <p:timing>
+    <p:tnLst>
+      <p:par>
+        <p:cTn id="1" dur="indefinite" restart="never" nodeType="tmRoot"/>
+      </p:par>
+    </p:tnLst>
+  </p:timing>
+</p:sld>
+</file>
+
+<file path=ppt/slides/slide11.xml><?xml version="1.0" encoding="utf-8"?>
+<p:sld xmlns:a="http://schemas.openxmlformats.org/drawingml/2006/main" xmlns:r="http://schemas.openxmlformats.org/officeDocument/2006/relationships" xmlns:p="http://schemas.openxmlformats.org/presentationml/2006/main">
+  <p:cSld>
+    <p:spTree>
+      <p:nvGrpSpPr>
+        <p:cNvPr id="1" name=""/>
+        <p:cNvGrpSpPr/>
+        <p:nvPr/>
+      </p:nvGrpSpPr>
+      <p:grpSpPr>
+        <a:xfrm>
+          <a:off x="0" y="0"/>
+          <a:ext cx="0" cy="0"/>
+          <a:chOff x="0" y="0"/>
+          <a:chExt cx="0" cy="0"/>
+        </a:xfrm>
+      </p:grpSpPr>
+      <p:sp>
+        <p:nvSpPr>
+          <p:cNvPr id="2" name="Título 1"/>
+          <p:cNvSpPr>
+            <a:spLocks noGrp="1"/>
+          </p:cNvSpPr>
+          <p:nvPr>
+            <p:ph type="title"/>
+          </p:nvPr>
+        </p:nvSpPr>
+        <p:spPr>
+          <a:xfrm>
+            <a:off x="0" y="0"/>
+            <a:ext cx="5286412" cy="1143000"/>
+          </a:xfrm>
+        </p:spPr>
+        <p:txBody>
+          <a:bodyPr>
+            <a:normAutofit/>
+          </a:bodyPr>
+          <a:lstStyle/>
+          <a:p>
+            <a:pPr algn="l"/>
+            <a:r>
+              <a:rPr lang="pt-BR" sz="3200" b="1" dirty="0" smtClean="0"/>
               <a:t>6. Aplicação</a:t>
             </a:r>
             <a:br>
@@ -3661,7 +3964,7 @@
 </p:sld>
 </file>
 
-<file path=ppt/slides/slide11.xml><?xml version="1.0" encoding="utf-8"?>
+<file path=ppt/slides/slide12.xml><?xml version="1.0" encoding="utf-8"?>
 <p:sld xmlns:a="http://schemas.openxmlformats.org/drawingml/2006/main" xmlns:r="http://schemas.openxmlformats.org/officeDocument/2006/relationships" xmlns:p="http://schemas.openxmlformats.org/presentationml/2006/main">
   <p:cSld>
     <p:spTree>
@@ -3981,7 +4284,7 @@
 </p:sld>
 </file>
 
-<file path=ppt/slides/slide12.xml><?xml version="1.0" encoding="utf-8"?>
+<file path=ppt/slides/slide13.xml><?xml version="1.0" encoding="utf-8"?>
 <p:sld xmlns:a="http://schemas.openxmlformats.org/drawingml/2006/main" xmlns:r="http://schemas.openxmlformats.org/officeDocument/2006/relationships" xmlns:p="http://schemas.openxmlformats.org/presentationml/2006/main">
   <p:cSld>
     <p:spTree>
@@ -5777,7 +6080,7 @@
 </p:sld>
 </file>
 
-<file path=ppt/slides/slide13.xml><?xml version="1.0" encoding="utf-8"?>
+<file path=ppt/slides/slide14.xml><?xml version="1.0" encoding="utf-8"?>
 <p:sld xmlns:a="http://schemas.openxmlformats.org/drawingml/2006/main" xmlns:r="http://schemas.openxmlformats.org/officeDocument/2006/relationships" xmlns:p="http://schemas.openxmlformats.org/presentationml/2006/main">
   <p:cSld>
     <p:spTree>
@@ -9419,7 +9722,7 @@
 </p:sld>
 </file>
 
-<file path=ppt/slides/slide14.xml><?xml version="1.0" encoding="utf-8"?>
+<file path=ppt/slides/slide15.xml><?xml version="1.0" encoding="utf-8"?>
 <p:sld xmlns:a="http://schemas.openxmlformats.org/drawingml/2006/main" xmlns:r="http://schemas.openxmlformats.org/officeDocument/2006/relationships" xmlns:p="http://schemas.openxmlformats.org/presentationml/2006/main">
   <p:cSld>
     <p:spTree>
@@ -10888,7 +11191,7 @@
 </p:sld>
 </file>
 
-<file path=ppt/slides/slide15.xml><?xml version="1.0" encoding="utf-8"?>
+<file path=ppt/slides/slide16.xml><?xml version="1.0" encoding="utf-8"?>
 <p:sld xmlns:a="http://schemas.openxmlformats.org/drawingml/2006/main" xmlns:r="http://schemas.openxmlformats.org/officeDocument/2006/relationships" xmlns:p="http://schemas.openxmlformats.org/presentationml/2006/main">
   <p:cSld>
     <p:spTree>
@@ -16013,7 +16316,7 @@
 </p:sld>
 </file>
 
-<file path=ppt/slides/slide16.xml><?xml version="1.0" encoding="utf-8"?>
+<file path=ppt/slides/slide17.xml><?xml version="1.0" encoding="utf-8"?>
 <p:sld xmlns:a="http://schemas.openxmlformats.org/drawingml/2006/main" xmlns:r="http://schemas.openxmlformats.org/officeDocument/2006/relationships" xmlns:p="http://schemas.openxmlformats.org/presentationml/2006/main">
   <p:cSld>
     <p:spTree>
@@ -16307,7 +16610,7 @@
 </p:sld>
 </file>
 
-<file path=ppt/slides/slide17.xml><?xml version="1.0" encoding="utf-8"?>
+<file path=ppt/slides/slide18.xml><?xml version="1.0" encoding="utf-8"?>
 <p:sld xmlns:a="http://schemas.openxmlformats.org/drawingml/2006/main" xmlns:r="http://schemas.openxmlformats.org/officeDocument/2006/relationships" xmlns:p="http://schemas.openxmlformats.org/presentationml/2006/main">
   <p:cSld>
     <p:spTree>
@@ -17288,7 +17591,7 @@
             </a:r>
             <a:r>
               <a:rPr lang="pt-BR" dirty="0" smtClean="0"/>
-              <a:t> de IA utilizado para realizar uma tarefa especifica sem instruções explicitas, através de padrões e inferência.</a:t>
+              <a:t> de IA utilizado para realizar uma tarefa específica sem instruções explícitas, através de padrões e inferência.</a:t>
             </a:r>
           </a:p>
         </p:txBody>
@@ -17450,7 +17753,7 @@
         <p:spPr>
           <a:xfrm>
             <a:off x="0" y="1071546"/>
-            <a:ext cx="7572396" cy="1200329"/>
+            <a:ext cx="7572396" cy="2308324"/>
           </a:xfrm>
           <a:prstGeom prst="rect">
             <a:avLst/>
@@ -17469,8 +17772,9 @@
             </a:pPr>
             <a:r>
               <a:rPr lang="pt-BR" b="1" dirty="0" smtClean="0"/>
-              <a:t>Objetivo do Projeto</a:t>
-            </a:r>
+              <a:t>Processamento digital de imagens</a:t>
+            </a:r>
+            <a:endParaRPr lang="pt-BR" b="1" dirty="0" smtClean="0"/>
           </a:p>
           <a:p>
             <a:pPr marL="800100" lvl="1" indent="-342900">
@@ -17479,16 +17783,67 @@
             </a:pPr>
             <a:r>
               <a:rPr lang="pt-BR" dirty="0" smtClean="0"/>
-              <a:t>Aplicar machine </a:t>
+              <a:t>Imagem monocromática definida por uma matriz bidimensional composta por pixels (Picture </a:t>
             </a:r>
             <a:r>
               <a:rPr lang="pt-BR" dirty="0" err="1" smtClean="0"/>
-              <a:t>learning</a:t>
+              <a:t>Elements</a:t>
             </a:r>
             <a:r>
               <a:rPr lang="pt-BR" dirty="0" smtClean="0"/>
-              <a:t> na área de biomedicina para classificação de mamografias.</a:t>
-            </a:r>
+              <a:t>), descritos por uma função f(x,y) da intensidade luminosa.</a:t>
+            </a:r>
+          </a:p>
+          <a:p>
+            <a:pPr marL="800100" lvl="1" indent="-342900">
+              <a:buFont typeface="Arial" pitchFamily="34" charset="0"/>
+              <a:buChar char="•"/>
+            </a:pPr>
+            <a:r>
+              <a:rPr lang="pt-BR" dirty="0" smtClean="0"/>
+              <a:t>f(x,y) pode ser decomposta em: </a:t>
+            </a:r>
+            <a:r>
+              <a:rPr lang="pt-BR" dirty="0" smtClean="0"/>
+              <a:t>(i) componente de </a:t>
+            </a:r>
+            <a:r>
+              <a:rPr lang="pt-BR" dirty="0" smtClean="0"/>
+              <a:t>iluminação</a:t>
+            </a:r>
+            <a:r>
+              <a:rPr lang="pt-BR" dirty="0" smtClean="0"/>
+              <a:t>, i(x,y</a:t>
+            </a:r>
+            <a:r>
+              <a:rPr lang="pt-BR" dirty="0" smtClean="0"/>
+              <a:t>) </a:t>
+            </a:r>
+            <a:r>
+              <a:rPr lang="pt-BR" dirty="0" smtClean="0"/>
+              <a:t>e </a:t>
+            </a:r>
+            <a:r>
+              <a:rPr lang="pt-BR" dirty="0" smtClean="0"/>
+              <a:t> componente </a:t>
+            </a:r>
+            <a:r>
+              <a:rPr lang="pt-BR" dirty="0" smtClean="0"/>
+              <a:t>de </a:t>
+            </a:r>
+            <a:r>
+              <a:rPr lang="pt-BR" dirty="0" smtClean="0"/>
+              <a:t>refletância, </a:t>
+            </a:r>
+            <a:r>
+              <a:rPr lang="pt-BR" dirty="0" smtClean="0"/>
+              <a:t>r(x,y</a:t>
+            </a:r>
+            <a:r>
+              <a:rPr lang="pt-BR" dirty="0" smtClean="0"/>
+              <a:t>).</a:t>
+            </a:r>
+            <a:endParaRPr lang="pt-BR" dirty="0" smtClean="0"/>
           </a:p>
           <a:p>
             <a:pPr marL="800100" lvl="1" indent="-342900">
@@ -17497,11 +17852,18 @@
             </a:pPr>
             <a:endParaRPr lang="pt-BR" dirty="0" smtClean="0"/>
           </a:p>
+          <a:p>
+            <a:pPr marL="800100" lvl="1" indent="-342900">
+              <a:buFont typeface="Arial" pitchFamily="34" charset="0"/>
+              <a:buChar char="•"/>
+            </a:pPr>
+            <a:endParaRPr lang="pt-BR" dirty="0" smtClean="0"/>
+          </a:p>
         </p:txBody>
       </p:sp>
       <p:pic>
         <p:nvPicPr>
-          <p:cNvPr id="18434" name="Picture 2"/>
+          <p:cNvPr id="1026" name="Picture 2" descr="Image result for lena image processing"/>
           <p:cNvPicPr>
             <a:picLocks noChangeAspect="1" noChangeArrowheads="1"/>
           </p:cNvPicPr>
@@ -17516,8 +17878,34 @@
         </p:blipFill>
         <p:spPr bwMode="auto">
           <a:xfrm>
-            <a:off x="214282" y="2714620"/>
-            <a:ext cx="8217663" cy="2714644"/>
+            <a:off x="357158" y="3286124"/>
+            <a:ext cx="5286375" cy="2495551"/>
+          </a:xfrm>
+          <a:prstGeom prst="rect">
+            <a:avLst/>
+          </a:prstGeom>
+          <a:noFill/>
+        </p:spPr>
+      </p:pic>
+      <p:pic>
+        <p:nvPicPr>
+          <p:cNvPr id="1027" name="Picture 3"/>
+          <p:cNvPicPr>
+            <a:picLocks noChangeAspect="1" noChangeArrowheads="1"/>
+          </p:cNvPicPr>
+          <p:nvPr/>
+        </p:nvPicPr>
+        <p:blipFill>
+          <a:blip r:embed="rId4"/>
+          <a:srcRect/>
+          <a:stretch>
+            <a:fillRect/>
+          </a:stretch>
+        </p:blipFill>
+        <p:spPr bwMode="auto">
+          <a:xfrm>
+            <a:off x="5929322" y="3262311"/>
+            <a:ext cx="2828926" cy="1885951"/>
           </a:xfrm>
           <a:prstGeom prst="rect">
             <a:avLst/>
@@ -17532,42 +17920,39 @@
           <a:effectLst/>
         </p:spPr>
       </p:pic>
-      <p:sp>
-        <p:nvSpPr>
-          <p:cNvPr id="8" name="CaixaDeTexto 7"/>
-          <p:cNvSpPr txBox="1"/>
+      <p:pic>
+        <p:nvPicPr>
+          <p:cNvPr id="1028" name="Picture 4"/>
+          <p:cNvPicPr>
+            <a:picLocks noChangeAspect="1" noChangeArrowheads="1"/>
+          </p:cNvPicPr>
           <p:nvPr/>
-        </p:nvSpPr>
-        <p:spPr>
+        </p:nvPicPr>
+        <p:blipFill>
+          <a:blip r:embed="rId5"/>
+          <a:srcRect/>
+          <a:stretch>
+            <a:fillRect/>
+          </a:stretch>
+        </p:blipFill>
+        <p:spPr bwMode="auto">
           <a:xfrm>
-            <a:off x="7643834" y="3786190"/>
-            <a:ext cx="1143008" cy="646331"/>
+            <a:off x="6858016" y="5214950"/>
+            <a:ext cx="1143000" cy="238125"/>
           </a:xfrm>
           <a:prstGeom prst="rect">
             <a:avLst/>
           </a:prstGeom>
           <a:noFill/>
+          <a:ln w="9525">
+            <a:noFill/>
+            <a:miter lim="800000"/>
+            <a:headEnd/>
+            <a:tailEnd/>
+          </a:ln>
+          <a:effectLst/>
         </p:spPr>
-        <p:txBody>
-          <a:bodyPr wrap="square" rtlCol="0">
-            <a:spAutoFit/>
-          </a:bodyPr>
-          <a:lstStyle/>
-          <a:p>
-            <a:r>
-              <a:rPr lang="pt-BR" dirty="0" smtClean="0"/>
-              <a:t>Benigno</a:t>
-            </a:r>
-          </a:p>
-          <a:p>
-            <a:r>
-              <a:rPr lang="pt-BR" dirty="0" smtClean="0"/>
-              <a:t>Maligno</a:t>
-            </a:r>
-            <a:endParaRPr lang="pt-BR" dirty="0"/>
-          </a:p>
-        </p:txBody>
-      </p:sp>
+      </p:pic>
     </p:spTree>
   </p:cSld>
   <p:clrMapOvr>
@@ -17624,12 +18009,8 @@
           <a:p>
             <a:pPr algn="l"/>
             <a:r>
-              <a:rPr lang="pt-BR" sz="3200" b="1" dirty="0"/>
-              <a:t>2</a:t>
-            </a:r>
-            <a:r>
               <a:rPr lang="pt-BR" sz="3200" b="1" dirty="0" smtClean="0"/>
-              <a:t>. Situação atual</a:t>
+              <a:t>1. Introdução</a:t>
             </a:r>
             <a:br>
               <a:rPr lang="pt-BR" sz="3200" b="1" dirty="0" smtClean="0"/>
@@ -17722,6 +18103,259 @@
             </a:pPr>
             <a:r>
               <a:rPr lang="pt-BR" b="1" dirty="0" smtClean="0"/>
+              <a:t>Objetivo do Projeto</a:t>
+            </a:r>
+          </a:p>
+          <a:p>
+            <a:pPr marL="800100" lvl="1" indent="-342900">
+              <a:buFont typeface="Arial" pitchFamily="34" charset="0"/>
+              <a:buChar char="•"/>
+            </a:pPr>
+            <a:r>
+              <a:rPr lang="pt-BR" dirty="0" smtClean="0"/>
+              <a:t>Aplicar machine </a:t>
+            </a:r>
+            <a:r>
+              <a:rPr lang="pt-BR" dirty="0" err="1" smtClean="0"/>
+              <a:t>learning</a:t>
+            </a:r>
+            <a:r>
+              <a:rPr lang="pt-BR" dirty="0" smtClean="0"/>
+              <a:t> na área de biomedicina para classificação de mamografias.</a:t>
+            </a:r>
+          </a:p>
+          <a:p>
+            <a:pPr marL="800100" lvl="1" indent="-342900">
+              <a:buFont typeface="Arial" pitchFamily="34" charset="0"/>
+              <a:buChar char="•"/>
+            </a:pPr>
+            <a:endParaRPr lang="pt-BR" dirty="0" smtClean="0"/>
+          </a:p>
+        </p:txBody>
+      </p:sp>
+      <p:pic>
+        <p:nvPicPr>
+          <p:cNvPr id="18434" name="Picture 2"/>
+          <p:cNvPicPr>
+            <a:picLocks noChangeAspect="1" noChangeArrowheads="1"/>
+          </p:cNvPicPr>
+          <p:nvPr/>
+        </p:nvPicPr>
+        <p:blipFill>
+          <a:blip r:embed="rId3"/>
+          <a:srcRect/>
+          <a:stretch>
+            <a:fillRect/>
+          </a:stretch>
+        </p:blipFill>
+        <p:spPr bwMode="auto">
+          <a:xfrm>
+            <a:off x="214282" y="2714620"/>
+            <a:ext cx="8217663" cy="2714644"/>
+          </a:xfrm>
+          <a:prstGeom prst="rect">
+            <a:avLst/>
+          </a:prstGeom>
+          <a:noFill/>
+          <a:ln w="9525">
+            <a:noFill/>
+            <a:miter lim="800000"/>
+            <a:headEnd/>
+            <a:tailEnd/>
+          </a:ln>
+          <a:effectLst/>
+        </p:spPr>
+      </p:pic>
+      <p:sp>
+        <p:nvSpPr>
+          <p:cNvPr id="8" name="CaixaDeTexto 7"/>
+          <p:cNvSpPr txBox="1"/>
+          <p:nvPr/>
+        </p:nvSpPr>
+        <p:spPr>
+          <a:xfrm>
+            <a:off x="7643834" y="3786190"/>
+            <a:ext cx="1143008" cy="646331"/>
+          </a:xfrm>
+          <a:prstGeom prst="rect">
+            <a:avLst/>
+          </a:prstGeom>
+          <a:noFill/>
+        </p:spPr>
+        <p:txBody>
+          <a:bodyPr wrap="square" rtlCol="0">
+            <a:spAutoFit/>
+          </a:bodyPr>
+          <a:lstStyle/>
+          <a:p>
+            <a:r>
+              <a:rPr lang="pt-BR" dirty="0" smtClean="0"/>
+              <a:t>Benigno</a:t>
+            </a:r>
+          </a:p>
+          <a:p>
+            <a:r>
+              <a:rPr lang="pt-BR" dirty="0" smtClean="0"/>
+              <a:t>Maligno</a:t>
+            </a:r>
+            <a:endParaRPr lang="pt-BR" dirty="0"/>
+          </a:p>
+        </p:txBody>
+      </p:sp>
+    </p:spTree>
+  </p:cSld>
+  <p:clrMapOvr>
+    <a:masterClrMapping/>
+  </p:clrMapOvr>
+  <p:timing>
+    <p:tnLst>
+      <p:par>
+        <p:cTn id="1" dur="indefinite" restart="never" nodeType="tmRoot"/>
+      </p:par>
+    </p:tnLst>
+  </p:timing>
+</p:sld>
+</file>
+
+<file path=ppt/slides/slide7.xml><?xml version="1.0" encoding="utf-8"?>
+<p:sld xmlns:a="http://schemas.openxmlformats.org/drawingml/2006/main" xmlns:r="http://schemas.openxmlformats.org/officeDocument/2006/relationships" xmlns:p="http://schemas.openxmlformats.org/presentationml/2006/main">
+  <p:cSld>
+    <p:spTree>
+      <p:nvGrpSpPr>
+        <p:cNvPr id="1" name=""/>
+        <p:cNvGrpSpPr/>
+        <p:nvPr/>
+      </p:nvGrpSpPr>
+      <p:grpSpPr>
+        <a:xfrm>
+          <a:off x="0" y="0"/>
+          <a:ext cx="0" cy="0"/>
+          <a:chOff x="0" y="0"/>
+          <a:chExt cx="0" cy="0"/>
+        </a:xfrm>
+      </p:grpSpPr>
+      <p:sp>
+        <p:nvSpPr>
+          <p:cNvPr id="2" name="Título 1"/>
+          <p:cNvSpPr>
+            <a:spLocks noGrp="1"/>
+          </p:cNvSpPr>
+          <p:nvPr>
+            <p:ph type="title"/>
+          </p:nvPr>
+        </p:nvSpPr>
+        <p:spPr>
+          <a:xfrm>
+            <a:off x="0" y="0"/>
+            <a:ext cx="5286412" cy="1143000"/>
+          </a:xfrm>
+        </p:spPr>
+        <p:txBody>
+          <a:bodyPr>
+            <a:normAutofit/>
+          </a:bodyPr>
+          <a:lstStyle/>
+          <a:p>
+            <a:pPr algn="l"/>
+            <a:r>
+              <a:rPr lang="pt-BR" sz="3200" b="1" dirty="0"/>
+              <a:t>2</a:t>
+            </a:r>
+            <a:r>
+              <a:rPr lang="pt-BR" sz="3200" b="1" dirty="0" smtClean="0"/>
+              <a:t>. Situação atual</a:t>
+            </a:r>
+            <a:br>
+              <a:rPr lang="pt-BR" sz="3200" b="1" dirty="0" smtClean="0"/>
+            </a:br>
+            <a:endParaRPr lang="pt-BR" sz="3200" b="1" dirty="0"/>
+          </a:p>
+        </p:txBody>
+      </p:sp>
+      <p:pic>
+        <p:nvPicPr>
+          <p:cNvPr id="2050" name="Picture 2" descr="C:\Users\Guilherme\Desktop\TCC\TCC-BreastCancerNN\Projeto 2\resources\images\ppt_puc_logo.PNG"/>
+          <p:cNvPicPr>
+            <a:picLocks noChangeAspect="1" noChangeArrowheads="1"/>
+          </p:cNvPicPr>
+          <p:nvPr/>
+        </p:nvPicPr>
+        <p:blipFill>
+          <a:blip r:embed="rId2"/>
+          <a:srcRect/>
+          <a:stretch>
+            <a:fillRect/>
+          </a:stretch>
+        </p:blipFill>
+        <p:spPr bwMode="auto">
+          <a:xfrm>
+            <a:off x="8215339" y="0"/>
+            <a:ext cx="928662" cy="1751369"/>
+          </a:xfrm>
+          <a:prstGeom prst="rect">
+            <a:avLst/>
+          </a:prstGeom>
+          <a:noFill/>
+        </p:spPr>
+      </p:pic>
+      <p:cxnSp>
+        <p:nvCxnSpPr>
+          <p:cNvPr id="5" name="Conector reto 4"/>
+          <p:cNvCxnSpPr/>
+          <p:nvPr/>
+        </p:nvCxnSpPr>
+        <p:spPr>
+          <a:xfrm>
+            <a:off x="0" y="714356"/>
+            <a:ext cx="8143900" cy="1588"/>
+          </a:xfrm>
+          <a:prstGeom prst="line">
+            <a:avLst/>
+          </a:prstGeom>
+        </p:spPr>
+        <p:style>
+          <a:lnRef idx="1">
+            <a:schemeClr val="accent1"/>
+          </a:lnRef>
+          <a:fillRef idx="0">
+            <a:schemeClr val="accent1"/>
+          </a:fillRef>
+          <a:effectRef idx="0">
+            <a:schemeClr val="accent1"/>
+          </a:effectRef>
+          <a:fontRef idx="minor">
+            <a:schemeClr val="tx1"/>
+          </a:fontRef>
+        </p:style>
+      </p:cxnSp>
+      <p:sp>
+        <p:nvSpPr>
+          <p:cNvPr id="7" name="CaixaDeTexto 6"/>
+          <p:cNvSpPr txBox="1"/>
+          <p:nvPr/>
+        </p:nvSpPr>
+        <p:spPr>
+          <a:xfrm>
+            <a:off x="0" y="1071546"/>
+            <a:ext cx="7572396" cy="1200329"/>
+          </a:xfrm>
+          <a:prstGeom prst="rect">
+            <a:avLst/>
+          </a:prstGeom>
+          <a:noFill/>
+        </p:spPr>
+        <p:txBody>
+          <a:bodyPr wrap="square" rtlCol="0">
+            <a:spAutoFit/>
+          </a:bodyPr>
+          <a:lstStyle/>
+          <a:p>
+            <a:pPr marL="342900" indent="-342900">
+              <a:buFont typeface="Arial" pitchFamily="34" charset="0"/>
+              <a:buChar char="•"/>
+            </a:pPr>
+            <a:r>
+              <a:rPr lang="pt-BR" b="1" dirty="0" smtClean="0"/>
               <a:t>Classificação de imagens</a:t>
             </a:r>
           </a:p>
@@ -17854,7 +18488,7 @@
 </p:sld>
 </file>
 
-<file path=ppt/slides/slide7.xml><?xml version="1.0" encoding="utf-8"?>
+<file path=ppt/slides/slide8.xml><?xml version="1.0" encoding="utf-8"?>
 <p:sld xmlns:a="http://schemas.openxmlformats.org/drawingml/2006/main" xmlns:r="http://schemas.openxmlformats.org/officeDocument/2006/relationships" xmlns:p="http://schemas.openxmlformats.org/presentationml/2006/main">
   <p:cSld>
     <p:spTree>
@@ -18135,7 +18769,7 @@
 </p:sld>
 </file>
 
-<file path=ppt/slides/slide8.xml><?xml version="1.0" encoding="utf-8"?>
+<file path=ppt/slides/slide9.xml><?xml version="1.0" encoding="utf-8"?>
 <p:sld xmlns:a="http://schemas.openxmlformats.org/drawingml/2006/main" xmlns:r="http://schemas.openxmlformats.org/officeDocument/2006/relationships" xmlns:p="http://schemas.openxmlformats.org/presentationml/2006/main">
   <p:cSld>
     <p:spTree>
@@ -18358,7 +18992,7 @@
             </a:r>
             <a:r>
               <a:rPr lang="pt-BR" b="1" dirty="0" smtClean="0"/>
-              <a:t> na pratica</a:t>
+              <a:t> na prática</a:t>
             </a:r>
           </a:p>
           <a:p>
@@ -18419,284 +19053,6 @@
           <a:xfrm>
             <a:off x="785786" y="3571876"/>
             <a:ext cx="4571994" cy="2571747"/>
-          </a:xfrm>
-          <a:prstGeom prst="rect">
-            <a:avLst/>
-          </a:prstGeom>
-          <a:noFill/>
-        </p:spPr>
-      </p:pic>
-    </p:spTree>
-  </p:cSld>
-  <p:clrMapOvr>
-    <a:masterClrMapping/>
-  </p:clrMapOvr>
-  <p:timing>
-    <p:tnLst>
-      <p:par>
-        <p:cTn id="1" dur="indefinite" restart="never" nodeType="tmRoot"/>
-      </p:par>
-    </p:tnLst>
-  </p:timing>
-</p:sld>
-</file>
-
-<file path=ppt/slides/slide9.xml><?xml version="1.0" encoding="utf-8"?>
-<p:sld xmlns:a="http://schemas.openxmlformats.org/drawingml/2006/main" xmlns:r="http://schemas.openxmlformats.org/officeDocument/2006/relationships" xmlns:p="http://schemas.openxmlformats.org/presentationml/2006/main">
-  <p:cSld>
-    <p:spTree>
-      <p:nvGrpSpPr>
-        <p:cNvPr id="1" name=""/>
-        <p:cNvGrpSpPr/>
-        <p:nvPr/>
-      </p:nvGrpSpPr>
-      <p:grpSpPr>
-        <a:xfrm>
-          <a:off x="0" y="0"/>
-          <a:ext cx="0" cy="0"/>
-          <a:chOff x="0" y="0"/>
-          <a:chExt cx="0" cy="0"/>
-        </a:xfrm>
-      </p:grpSpPr>
-      <p:sp>
-        <p:nvSpPr>
-          <p:cNvPr id="2" name="Título 1"/>
-          <p:cNvSpPr>
-            <a:spLocks noGrp="1"/>
-          </p:cNvSpPr>
-          <p:nvPr>
-            <p:ph type="title"/>
-          </p:nvPr>
-        </p:nvSpPr>
-        <p:spPr>
-          <a:xfrm>
-            <a:off x="0" y="0"/>
-            <a:ext cx="5286412" cy="1143000"/>
-          </a:xfrm>
-        </p:spPr>
-        <p:txBody>
-          <a:bodyPr>
-            <a:normAutofit/>
-          </a:bodyPr>
-          <a:lstStyle/>
-          <a:p>
-            <a:pPr algn="l"/>
-            <a:r>
-              <a:rPr lang="pt-BR" sz="3200" b="1" dirty="0" smtClean="0"/>
-              <a:t>5. Base de dados</a:t>
-            </a:r>
-            <a:br>
-              <a:rPr lang="pt-BR" sz="3200" b="1" dirty="0" smtClean="0"/>
-            </a:br>
-            <a:endParaRPr lang="pt-BR" sz="3200" b="1" dirty="0"/>
-          </a:p>
-        </p:txBody>
-      </p:sp>
-      <p:pic>
-        <p:nvPicPr>
-          <p:cNvPr id="2050" name="Picture 2" descr="C:\Users\Guilherme\Desktop\TCC\TCC-BreastCancerNN\Projeto 2\resources\images\ppt_puc_logo.PNG"/>
-          <p:cNvPicPr>
-            <a:picLocks noChangeAspect="1" noChangeArrowheads="1"/>
-          </p:cNvPicPr>
-          <p:nvPr/>
-        </p:nvPicPr>
-        <p:blipFill>
-          <a:blip r:embed="rId2"/>
-          <a:srcRect/>
-          <a:stretch>
-            <a:fillRect/>
-          </a:stretch>
-        </p:blipFill>
-        <p:spPr bwMode="auto">
-          <a:xfrm>
-            <a:off x="8215339" y="0"/>
-            <a:ext cx="928662" cy="1751369"/>
-          </a:xfrm>
-          <a:prstGeom prst="rect">
-            <a:avLst/>
-          </a:prstGeom>
-          <a:noFill/>
-        </p:spPr>
-      </p:pic>
-      <p:cxnSp>
-        <p:nvCxnSpPr>
-          <p:cNvPr id="5" name="Conector reto 4"/>
-          <p:cNvCxnSpPr/>
-          <p:nvPr/>
-        </p:nvCxnSpPr>
-        <p:spPr>
-          <a:xfrm>
-            <a:off x="0" y="714356"/>
-            <a:ext cx="8143900" cy="1588"/>
-          </a:xfrm>
-          <a:prstGeom prst="line">
-            <a:avLst/>
-          </a:prstGeom>
-        </p:spPr>
-        <p:style>
-          <a:lnRef idx="1">
-            <a:schemeClr val="accent1"/>
-          </a:lnRef>
-          <a:fillRef idx="0">
-            <a:schemeClr val="accent1"/>
-          </a:fillRef>
-          <a:effectRef idx="0">
-            <a:schemeClr val="accent1"/>
-          </a:effectRef>
-          <a:fontRef idx="minor">
-            <a:schemeClr val="tx1"/>
-          </a:fontRef>
-        </p:style>
-      </p:cxnSp>
-      <p:sp>
-        <p:nvSpPr>
-          <p:cNvPr id="7" name="CaixaDeTexto 6"/>
-          <p:cNvSpPr txBox="1"/>
-          <p:nvPr/>
-        </p:nvSpPr>
-        <p:spPr>
-          <a:xfrm>
-            <a:off x="0" y="1071546"/>
-            <a:ext cx="7572396" cy="2031325"/>
-          </a:xfrm>
-          <a:prstGeom prst="rect">
-            <a:avLst/>
-          </a:prstGeom>
-          <a:noFill/>
-        </p:spPr>
-        <p:txBody>
-          <a:bodyPr wrap="square" rtlCol="0">
-            <a:spAutoFit/>
-          </a:bodyPr>
-          <a:lstStyle/>
-          <a:p>
-            <a:pPr marL="342900" indent="-342900">
-              <a:buFont typeface="Arial" pitchFamily="34" charset="0"/>
-              <a:buChar char="•"/>
-            </a:pPr>
-            <a:r>
-              <a:rPr lang="pt-BR" b="1" dirty="0" smtClean="0"/>
-              <a:t>CBIS-DDSM</a:t>
-            </a:r>
-          </a:p>
-          <a:p>
-            <a:pPr marL="800100" lvl="1" indent="-342900">
-              <a:buFont typeface="Arial" pitchFamily="34" charset="0"/>
-              <a:buChar char="•"/>
-            </a:pPr>
-            <a:r>
-              <a:rPr lang="pt-BR" dirty="0"/>
-              <a:t>CBIS-DDSM (</a:t>
-            </a:r>
-            <a:r>
-              <a:rPr lang="pt-BR" dirty="0" err="1"/>
-              <a:t>Curated</a:t>
-            </a:r>
-            <a:r>
-              <a:rPr lang="pt-BR" dirty="0"/>
-              <a:t> </a:t>
-            </a:r>
-            <a:r>
-              <a:rPr lang="pt-BR" dirty="0" err="1"/>
-              <a:t>Breast</a:t>
-            </a:r>
-            <a:r>
-              <a:rPr lang="pt-BR" dirty="0"/>
-              <a:t> </a:t>
-            </a:r>
-            <a:r>
-              <a:rPr lang="pt-BR" dirty="0" err="1"/>
-              <a:t>Imaging</a:t>
-            </a:r>
-            <a:r>
-              <a:rPr lang="pt-BR" dirty="0"/>
-              <a:t> </a:t>
-            </a:r>
-            <a:r>
-              <a:rPr lang="pt-BR" dirty="0" err="1"/>
-              <a:t>Subset</a:t>
-            </a:r>
-            <a:r>
-              <a:rPr lang="pt-BR" dirty="0"/>
-              <a:t> </a:t>
-            </a:r>
-            <a:r>
-              <a:rPr lang="pt-BR" dirty="0" err="1"/>
-              <a:t>of</a:t>
-            </a:r>
-            <a:r>
-              <a:rPr lang="pt-BR" dirty="0"/>
-              <a:t> </a:t>
-            </a:r>
-            <a:r>
-              <a:rPr lang="pt-BR" dirty="0" smtClean="0"/>
-              <a:t>DDSM), versão </a:t>
-            </a:r>
-            <a:r>
-              <a:rPr lang="pt-BR" dirty="0"/>
-              <a:t>atualizada e padronizada da DDSM (Digital Database for </a:t>
-            </a:r>
-            <a:r>
-              <a:rPr lang="pt-BR" dirty="0" err="1"/>
-              <a:t>Screening</a:t>
-            </a:r>
-            <a:r>
-              <a:rPr lang="pt-BR" dirty="0"/>
-              <a:t> </a:t>
-            </a:r>
-            <a:r>
-              <a:rPr lang="pt-BR" dirty="0" err="1"/>
-              <a:t>Mammography</a:t>
-            </a:r>
-            <a:r>
-              <a:rPr lang="pt-BR" dirty="0"/>
-              <a:t>) </a:t>
-            </a:r>
-            <a:r>
-              <a:rPr lang="pt-BR" dirty="0" smtClean="0"/>
-              <a:t>de 1997</a:t>
-            </a:r>
-          </a:p>
-          <a:p>
-            <a:pPr marL="800100" lvl="1" indent="-342900">
-              <a:buFont typeface="Arial" pitchFamily="34" charset="0"/>
-              <a:buChar char="•"/>
-            </a:pPr>
-            <a:r>
-              <a:rPr lang="pt-BR" dirty="0" smtClean="0"/>
-              <a:t>Coleção de dados das seguintes fontes: </a:t>
-            </a:r>
-            <a:r>
-              <a:rPr lang="en-US" dirty="0"/>
-              <a:t>Massachusetts General Hospital, Wake Forest University School of Medicine, Sacred Heart Hospital, and Washington University of St Louis School of </a:t>
-            </a:r>
-            <a:r>
-              <a:rPr lang="en-US" dirty="0" smtClean="0"/>
-              <a:t>Medicine</a:t>
-            </a:r>
-            <a:endParaRPr lang="pt-BR" dirty="0"/>
-          </a:p>
-        </p:txBody>
-      </p:sp>
-      <p:pic>
-        <p:nvPicPr>
-          <p:cNvPr id="21506" name="Picture 2" descr="Figure 1"/>
-          <p:cNvPicPr>
-            <a:picLocks noChangeAspect="1" noChangeArrowheads="1"/>
-          </p:cNvPicPr>
-          <p:nvPr/>
-        </p:nvPicPr>
-        <p:blipFill>
-          <a:blip r:embed="rId3"/>
-          <a:srcRect/>
-          <a:stretch>
-            <a:fillRect/>
-          </a:stretch>
-        </p:blipFill>
-        <p:spPr bwMode="auto">
-          <a:xfrm>
-            <a:off x="1500166" y="3571876"/>
-            <a:ext cx="5883409" cy="2789219"/>
           </a:xfrm>
           <a:prstGeom prst="rect">
             <a:avLst/>

--- a/Projeto 2/docs/Slides_defesa.pptx
+++ b/Projeto 2/docs/Slides_defesa.pptx
@@ -16730,7 +16730,7 @@
         <p:spPr>
           <a:xfrm>
             <a:off x="0" y="1071546"/>
-            <a:ext cx="7572396" cy="369332"/>
+            <a:ext cx="7572396" cy="646331"/>
           </a:xfrm>
           <a:prstGeom prst="rect">
             <a:avLst/>
@@ -16749,8 +16749,32 @@
             </a:pPr>
             <a:r>
               <a:rPr lang="pt-BR" b="1" dirty="0" smtClean="0"/>
-              <a:t>Assertividade final</a:t>
-            </a:r>
+              <a:t>Assertividade </a:t>
+            </a:r>
+            <a:r>
+              <a:rPr lang="pt-BR" b="1" dirty="0" smtClean="0"/>
+              <a:t>final</a:t>
+            </a:r>
+            <a:endParaRPr lang="pt-BR" b="1" u="sng" dirty="0" smtClean="0"/>
+          </a:p>
+          <a:p>
+            <a:pPr marL="800100" lvl="1" indent="-342900">
+              <a:buFont typeface="Arial" pitchFamily="34" charset="0"/>
+              <a:buChar char="•"/>
+            </a:pPr>
+            <a:r>
+              <a:rPr lang="pt-BR" dirty="0" err="1" smtClean="0"/>
+              <a:t>Early</a:t>
+            </a:r>
+            <a:r>
+              <a:rPr lang="pt-BR" dirty="0" smtClean="0"/>
+              <a:t> </a:t>
+            </a:r>
+            <a:r>
+              <a:rPr lang="pt-BR" dirty="0" err="1" smtClean="0"/>
+              <a:t>Stopping</a:t>
+            </a:r>
+            <a:endParaRPr lang="pt-BR" dirty="0" smtClean="0"/>
           </a:p>
         </p:txBody>
       </p:sp>
@@ -16771,7 +16795,7 @@
         </p:blipFill>
         <p:spPr bwMode="auto">
           <a:xfrm>
-            <a:off x="428596" y="1571612"/>
+            <a:off x="428596" y="1857364"/>
             <a:ext cx="3822700" cy="230188"/>
           </a:xfrm>
           <a:prstGeom prst="rect">
@@ -18337,7 +18361,7 @@
         <p:spPr>
           <a:xfrm>
             <a:off x="0" y="1071546"/>
-            <a:ext cx="7572396" cy="1200329"/>
+            <a:ext cx="7572396" cy="923330"/>
           </a:xfrm>
           <a:prstGeom prst="rect">
             <a:avLst/>
@@ -18376,7 +18400,23 @@
             </a:pPr>
             <a:r>
               <a:rPr lang="pt-BR" dirty="0" smtClean="0"/>
-              <a:t>Benchmarks de classificação de imagem (CIPHAR 10, CIPHAR 100, ILSVRC)</a:t>
+              <a:t>Benchmarks de classificação de imagem (</a:t>
+            </a:r>
+            <a:r>
+              <a:rPr lang="pt-BR" dirty="0" smtClean="0"/>
+              <a:t>CIFAR </a:t>
+            </a:r>
+            <a:r>
+              <a:rPr lang="pt-BR" dirty="0" smtClean="0"/>
+              <a:t>10, </a:t>
+            </a:r>
+            <a:r>
+              <a:rPr lang="pt-BR" dirty="0" smtClean="0"/>
+              <a:t>CIFAR </a:t>
+            </a:r>
+            <a:r>
+              <a:rPr lang="pt-BR" dirty="0" smtClean="0"/>
+              <a:t>100, ILSVRC)</a:t>
             </a:r>
           </a:p>
         </p:txBody>
